--- a/figures/psf_err_cartoon.pptx
+++ b/figures/psf_err_cartoon.pptx
@@ -2,12 +2,12 @@
 <file path=ppt/presentation.xml><?xml version="1.0" encoding="utf-8"?>
 <p:presentation xmlns:a="http://schemas.openxmlformats.org/drawingml/2006/main" xmlns:r="http://schemas.openxmlformats.org/officeDocument/2006/relationships" xmlns:p="http://schemas.openxmlformats.org/presentationml/2006/main" saveSubsetFonts="1" autoCompressPictures="0">
   <p:sldMasterIdLst>
-    <p:sldMasterId id="2147483756" r:id="rId1"/>
+    <p:sldMasterId id="2147483792" r:id="rId1"/>
   </p:sldMasterIdLst>
   <p:sldIdLst>
     <p:sldId id="256" r:id="rId2"/>
   </p:sldIdLst>
-  <p:sldSz cx="12239625" cy="4679950"/>
+  <p:sldSz cx="12096750" cy="5759450"/>
   <p:notesSz cx="6858000" cy="9144000"/>
   <p:defaultTextStyle>
     <a:defPPr>
@@ -141,15 +141,15 @@
         </p:nvSpPr>
         <p:spPr>
           <a:xfrm>
-            <a:off x="1529953" y="765909"/>
-            <a:ext cx="9179719" cy="1629316"/>
+            <a:off x="1512094" y="942577"/>
+            <a:ext cx="9072563" cy="2005142"/>
           </a:xfrm>
         </p:spPr>
         <p:txBody>
           <a:bodyPr anchor="b"/>
           <a:lstStyle>
             <a:lvl1pPr algn="ctr">
-              <a:defRPr sz="4094"/>
+              <a:defRPr sz="5039"/>
             </a:lvl1pPr>
           </a:lstStyle>
           <a:p>
@@ -173,8 +173,8 @@
         </p:nvSpPr>
         <p:spPr>
           <a:xfrm>
-            <a:off x="1529953" y="2458058"/>
-            <a:ext cx="9179719" cy="1129904"/>
+            <a:off x="1512094" y="3025045"/>
+            <a:ext cx="9072563" cy="1390533"/>
           </a:xfrm>
         </p:spPr>
         <p:txBody>
@@ -182,39 +182,39 @@
           <a:lstStyle>
             <a:lvl1pPr marL="0" indent="0" algn="ctr">
               <a:buNone/>
-              <a:defRPr sz="1638"/>
+              <a:defRPr sz="2016"/>
             </a:lvl1pPr>
-            <a:lvl2pPr marL="311993" indent="0" algn="ctr">
-              <a:buNone/>
-              <a:defRPr sz="1365"/>
+            <a:lvl2pPr marL="383957" indent="0" algn="ctr">
+              <a:buNone/>
+              <a:defRPr sz="1680"/>
             </a:lvl2pPr>
-            <a:lvl3pPr marL="623987" indent="0" algn="ctr">
-              <a:buNone/>
-              <a:defRPr sz="1228"/>
+            <a:lvl3pPr marL="767913" indent="0" algn="ctr">
+              <a:buNone/>
+              <a:defRPr sz="1512"/>
             </a:lvl3pPr>
-            <a:lvl4pPr marL="935980" indent="0" algn="ctr">
-              <a:buNone/>
-              <a:defRPr sz="1092"/>
+            <a:lvl4pPr marL="1151870" indent="0" algn="ctr">
+              <a:buNone/>
+              <a:defRPr sz="1344"/>
             </a:lvl4pPr>
-            <a:lvl5pPr marL="1247973" indent="0" algn="ctr">
-              <a:buNone/>
-              <a:defRPr sz="1092"/>
+            <a:lvl5pPr marL="1535826" indent="0" algn="ctr">
+              <a:buNone/>
+              <a:defRPr sz="1344"/>
             </a:lvl5pPr>
-            <a:lvl6pPr marL="1559966" indent="0" algn="ctr">
-              <a:buNone/>
-              <a:defRPr sz="1092"/>
+            <a:lvl6pPr marL="1919783" indent="0" algn="ctr">
+              <a:buNone/>
+              <a:defRPr sz="1344"/>
             </a:lvl6pPr>
-            <a:lvl7pPr marL="1871960" indent="0" algn="ctr">
-              <a:buNone/>
-              <a:defRPr sz="1092"/>
+            <a:lvl7pPr marL="2303739" indent="0" algn="ctr">
+              <a:buNone/>
+              <a:defRPr sz="1344"/>
             </a:lvl7pPr>
-            <a:lvl8pPr marL="2183953" indent="0" algn="ctr">
-              <a:buNone/>
-              <a:defRPr sz="1092"/>
+            <a:lvl8pPr marL="2687696" indent="0" algn="ctr">
+              <a:buNone/>
+              <a:defRPr sz="1344"/>
             </a:lvl8pPr>
-            <a:lvl9pPr marL="2495946" indent="0" algn="ctr">
-              <a:buNone/>
-              <a:defRPr sz="1092"/>
+            <a:lvl9pPr marL="3071652" indent="0" algn="ctr">
+              <a:buNone/>
+              <a:defRPr sz="1344"/>
             </a:lvl9pPr>
           </a:lstStyle>
           <a:p>
@@ -243,7 +243,7 @@
           <a:p>
             <a:fld id="{57FF0C53-773C-DD4A-B534-9879AE380A4C}" type="datetimeFigureOut">
               <a:rPr kumimoji="1" lang="zh-CN" altLang="en-US" smtClean="0"/>
-              <a:t>2022/10/28</a:t>
+              <a:t>2022/10/29</a:t>
             </a:fld>
             <a:endParaRPr kumimoji="1" lang="zh-CN" altLang="en-US"/>
           </a:p>
@@ -294,7 +294,7 @@
     </p:spTree>
     <p:extLst>
       <p:ext uri="{BB962C8B-B14F-4D97-AF65-F5344CB8AC3E}">
-        <p14:creationId xmlns:p14="http://schemas.microsoft.com/office/powerpoint/2010/main" val="3531651686"/>
+        <p14:creationId xmlns:p14="http://schemas.microsoft.com/office/powerpoint/2010/main" val="2218795572"/>
       </p:ext>
     </p:extLst>
   </p:cSld>
@@ -413,7 +413,7 @@
           <a:p>
             <a:fld id="{57FF0C53-773C-DD4A-B534-9879AE380A4C}" type="datetimeFigureOut">
               <a:rPr kumimoji="1" lang="zh-CN" altLang="en-US" smtClean="0"/>
-              <a:t>2022/10/28</a:t>
+              <a:t>2022/10/29</a:t>
             </a:fld>
             <a:endParaRPr kumimoji="1" lang="zh-CN" altLang="en-US"/>
           </a:p>
@@ -464,7 +464,7 @@
     </p:spTree>
     <p:extLst>
       <p:ext uri="{BB962C8B-B14F-4D97-AF65-F5344CB8AC3E}">
-        <p14:creationId xmlns:p14="http://schemas.microsoft.com/office/powerpoint/2010/main" val="2410389367"/>
+        <p14:creationId xmlns:p14="http://schemas.microsoft.com/office/powerpoint/2010/main" val="2706901969"/>
       </p:ext>
     </p:extLst>
   </p:cSld>
@@ -503,8 +503,8 @@
         </p:nvSpPr>
         <p:spPr>
           <a:xfrm>
-            <a:off x="8758982" y="249164"/>
-            <a:ext cx="2639169" cy="3966041"/>
+            <a:off x="8656737" y="306637"/>
+            <a:ext cx="2608362" cy="4880868"/>
           </a:xfrm>
         </p:spPr>
         <p:txBody>
@@ -531,8 +531,8 @@
         </p:nvSpPr>
         <p:spPr>
           <a:xfrm>
-            <a:off x="841474" y="249164"/>
-            <a:ext cx="7764512" cy="3966041"/>
+            <a:off x="831651" y="306637"/>
+            <a:ext cx="7673876" cy="4880868"/>
           </a:xfrm>
         </p:spPr>
         <p:txBody>
@@ -593,7 +593,7 @@
           <a:p>
             <a:fld id="{57FF0C53-773C-DD4A-B534-9879AE380A4C}" type="datetimeFigureOut">
               <a:rPr kumimoji="1" lang="zh-CN" altLang="en-US" smtClean="0"/>
-              <a:t>2022/10/28</a:t>
+              <a:t>2022/10/29</a:t>
             </a:fld>
             <a:endParaRPr kumimoji="1" lang="zh-CN" altLang="en-US"/>
           </a:p>
@@ -644,7 +644,7 @@
     </p:spTree>
     <p:extLst>
       <p:ext uri="{BB962C8B-B14F-4D97-AF65-F5344CB8AC3E}">
-        <p14:creationId xmlns:p14="http://schemas.microsoft.com/office/powerpoint/2010/main" val="4043442644"/>
+        <p14:creationId xmlns:p14="http://schemas.microsoft.com/office/powerpoint/2010/main" val="3110378419"/>
       </p:ext>
     </p:extLst>
   </p:cSld>
@@ -763,7 +763,7 @@
           <a:p>
             <a:fld id="{57FF0C53-773C-DD4A-B534-9879AE380A4C}" type="datetimeFigureOut">
               <a:rPr kumimoji="1" lang="zh-CN" altLang="en-US" smtClean="0"/>
-              <a:t>2022/10/28</a:t>
+              <a:t>2022/10/29</a:t>
             </a:fld>
             <a:endParaRPr kumimoji="1" lang="zh-CN" altLang="en-US"/>
           </a:p>
@@ -814,7 +814,7 @@
     </p:spTree>
     <p:extLst>
       <p:ext uri="{BB962C8B-B14F-4D97-AF65-F5344CB8AC3E}">
-        <p14:creationId xmlns:p14="http://schemas.microsoft.com/office/powerpoint/2010/main" val="3813023986"/>
+        <p14:creationId xmlns:p14="http://schemas.microsoft.com/office/powerpoint/2010/main" val="2918287542"/>
       </p:ext>
     </p:extLst>
   </p:cSld>
@@ -853,15 +853,15 @@
         </p:nvSpPr>
         <p:spPr>
           <a:xfrm>
-            <a:off x="835099" y="1166738"/>
-            <a:ext cx="10556677" cy="1946729"/>
+            <a:off x="825351" y="1435864"/>
+            <a:ext cx="10433447" cy="2395771"/>
           </a:xfrm>
         </p:spPr>
         <p:txBody>
           <a:bodyPr anchor="b"/>
           <a:lstStyle>
             <a:lvl1pPr>
-              <a:defRPr sz="4094"/>
+              <a:defRPr sz="5039"/>
             </a:lvl1pPr>
           </a:lstStyle>
           <a:p>
@@ -885,8 +885,8 @@
         </p:nvSpPr>
         <p:spPr>
           <a:xfrm>
-            <a:off x="835099" y="3131884"/>
-            <a:ext cx="10556677" cy="1023739"/>
+            <a:off x="825351" y="3854300"/>
+            <a:ext cx="10433447" cy="1259879"/>
           </a:xfrm>
         </p:spPr>
         <p:txBody>
@@ -894,7 +894,7 @@
           <a:lstStyle>
             <a:lvl1pPr marL="0" indent="0">
               <a:buNone/>
-              <a:defRPr sz="1638">
+              <a:defRPr sz="2016">
                 <a:solidFill>
                   <a:schemeClr val="tx1">
                     <a:tint val="75000"/>
@@ -902,9 +902,9 @@
                 </a:solidFill>
               </a:defRPr>
             </a:lvl1pPr>
-            <a:lvl2pPr marL="311993" indent="0">
-              <a:buNone/>
-              <a:defRPr sz="1365">
+            <a:lvl2pPr marL="383957" indent="0">
+              <a:buNone/>
+              <a:defRPr sz="1680">
                 <a:solidFill>
                   <a:schemeClr val="tx1">
                     <a:tint val="75000"/>
@@ -912,9 +912,9 @@
                 </a:solidFill>
               </a:defRPr>
             </a:lvl2pPr>
-            <a:lvl3pPr marL="623987" indent="0">
-              <a:buNone/>
-              <a:defRPr sz="1228">
+            <a:lvl3pPr marL="767913" indent="0">
+              <a:buNone/>
+              <a:defRPr sz="1512">
                 <a:solidFill>
                   <a:schemeClr val="tx1">
                     <a:tint val="75000"/>
@@ -922,9 +922,9 @@
                 </a:solidFill>
               </a:defRPr>
             </a:lvl3pPr>
-            <a:lvl4pPr marL="935980" indent="0">
-              <a:buNone/>
-              <a:defRPr sz="1092">
+            <a:lvl4pPr marL="1151870" indent="0">
+              <a:buNone/>
+              <a:defRPr sz="1344">
                 <a:solidFill>
                   <a:schemeClr val="tx1">
                     <a:tint val="75000"/>
@@ -932,9 +932,9 @@
                 </a:solidFill>
               </a:defRPr>
             </a:lvl4pPr>
-            <a:lvl5pPr marL="1247973" indent="0">
-              <a:buNone/>
-              <a:defRPr sz="1092">
+            <a:lvl5pPr marL="1535826" indent="0">
+              <a:buNone/>
+              <a:defRPr sz="1344">
                 <a:solidFill>
                   <a:schemeClr val="tx1">
                     <a:tint val="75000"/>
@@ -942,9 +942,9 @@
                 </a:solidFill>
               </a:defRPr>
             </a:lvl5pPr>
-            <a:lvl6pPr marL="1559966" indent="0">
-              <a:buNone/>
-              <a:defRPr sz="1092">
+            <a:lvl6pPr marL="1919783" indent="0">
+              <a:buNone/>
+              <a:defRPr sz="1344">
                 <a:solidFill>
                   <a:schemeClr val="tx1">
                     <a:tint val="75000"/>
@@ -952,9 +952,9 @@
                 </a:solidFill>
               </a:defRPr>
             </a:lvl6pPr>
-            <a:lvl7pPr marL="1871960" indent="0">
-              <a:buNone/>
-              <a:defRPr sz="1092">
+            <a:lvl7pPr marL="2303739" indent="0">
+              <a:buNone/>
+              <a:defRPr sz="1344">
                 <a:solidFill>
                   <a:schemeClr val="tx1">
                     <a:tint val="75000"/>
@@ -962,9 +962,9 @@
                 </a:solidFill>
               </a:defRPr>
             </a:lvl7pPr>
-            <a:lvl8pPr marL="2183953" indent="0">
-              <a:buNone/>
-              <a:defRPr sz="1092">
+            <a:lvl8pPr marL="2687696" indent="0">
+              <a:buNone/>
+              <a:defRPr sz="1344">
                 <a:solidFill>
                   <a:schemeClr val="tx1">
                     <a:tint val="75000"/>
@@ -972,9 +972,9 @@
                 </a:solidFill>
               </a:defRPr>
             </a:lvl8pPr>
-            <a:lvl9pPr marL="2495946" indent="0">
-              <a:buNone/>
-              <a:defRPr sz="1092">
+            <a:lvl9pPr marL="3071652" indent="0">
+              <a:buNone/>
+              <a:defRPr sz="1344">
                 <a:solidFill>
                   <a:schemeClr val="tx1">
                     <a:tint val="75000"/>
@@ -1009,7 +1009,7 @@
           <a:p>
             <a:fld id="{57FF0C53-773C-DD4A-B534-9879AE380A4C}" type="datetimeFigureOut">
               <a:rPr kumimoji="1" lang="zh-CN" altLang="en-US" smtClean="0"/>
-              <a:t>2022/10/28</a:t>
+              <a:t>2022/10/29</a:t>
             </a:fld>
             <a:endParaRPr kumimoji="1" lang="zh-CN" altLang="en-US"/>
           </a:p>
@@ -1060,7 +1060,7 @@
     </p:spTree>
     <p:extLst>
       <p:ext uri="{BB962C8B-B14F-4D97-AF65-F5344CB8AC3E}">
-        <p14:creationId xmlns:p14="http://schemas.microsoft.com/office/powerpoint/2010/main" val="3862930702"/>
+        <p14:creationId xmlns:p14="http://schemas.microsoft.com/office/powerpoint/2010/main" val="1067255154"/>
       </p:ext>
     </p:extLst>
   </p:cSld>
@@ -1122,8 +1122,8 @@
         </p:nvSpPr>
         <p:spPr>
           <a:xfrm>
-            <a:off x="841474" y="1245820"/>
-            <a:ext cx="5201841" cy="2969385"/>
+            <a:off x="831651" y="1533187"/>
+            <a:ext cx="5141119" cy="3654318"/>
           </a:xfrm>
         </p:spPr>
         <p:txBody>
@@ -1179,8 +1179,8 @@
         </p:nvSpPr>
         <p:spPr>
           <a:xfrm>
-            <a:off x="6196310" y="1245820"/>
-            <a:ext cx="5201841" cy="2969385"/>
+            <a:off x="6123980" y="1533187"/>
+            <a:ext cx="5141119" cy="3654318"/>
           </a:xfrm>
         </p:spPr>
         <p:txBody>
@@ -1241,7 +1241,7 @@
           <a:p>
             <a:fld id="{57FF0C53-773C-DD4A-B534-9879AE380A4C}" type="datetimeFigureOut">
               <a:rPr kumimoji="1" lang="zh-CN" altLang="en-US" smtClean="0"/>
-              <a:t>2022/10/28</a:t>
+              <a:t>2022/10/29</a:t>
             </a:fld>
             <a:endParaRPr kumimoji="1" lang="zh-CN" altLang="en-US"/>
           </a:p>
@@ -1292,7 +1292,7 @@
     </p:spTree>
     <p:extLst>
       <p:ext uri="{BB962C8B-B14F-4D97-AF65-F5344CB8AC3E}">
-        <p14:creationId xmlns:p14="http://schemas.microsoft.com/office/powerpoint/2010/main" val="1310188929"/>
+        <p14:creationId xmlns:p14="http://schemas.microsoft.com/office/powerpoint/2010/main" val="312517101"/>
       </p:ext>
     </p:extLst>
   </p:cSld>
@@ -1331,8 +1331,8 @@
         </p:nvSpPr>
         <p:spPr>
           <a:xfrm>
-            <a:off x="843068" y="249164"/>
-            <a:ext cx="10556677" cy="904574"/>
+            <a:off x="833227" y="306638"/>
+            <a:ext cx="10433447" cy="1113227"/>
           </a:xfrm>
         </p:spPr>
         <p:txBody>
@@ -1359,8 +1359,8 @@
         </p:nvSpPr>
         <p:spPr>
           <a:xfrm>
-            <a:off x="843069" y="1147238"/>
-            <a:ext cx="5177935" cy="562244"/>
+            <a:off x="833228" y="1411865"/>
+            <a:ext cx="5117492" cy="691934"/>
           </a:xfrm>
         </p:spPr>
         <p:txBody>
@@ -1368,39 +1368,39 @@
           <a:lstStyle>
             <a:lvl1pPr marL="0" indent="0">
               <a:buNone/>
-              <a:defRPr sz="1638" b="1"/>
+              <a:defRPr sz="2016" b="1"/>
             </a:lvl1pPr>
-            <a:lvl2pPr marL="311993" indent="0">
-              <a:buNone/>
-              <a:defRPr sz="1365" b="1"/>
+            <a:lvl2pPr marL="383957" indent="0">
+              <a:buNone/>
+              <a:defRPr sz="1680" b="1"/>
             </a:lvl2pPr>
-            <a:lvl3pPr marL="623987" indent="0">
-              <a:buNone/>
-              <a:defRPr sz="1228" b="1"/>
+            <a:lvl3pPr marL="767913" indent="0">
+              <a:buNone/>
+              <a:defRPr sz="1512" b="1"/>
             </a:lvl3pPr>
-            <a:lvl4pPr marL="935980" indent="0">
-              <a:buNone/>
-              <a:defRPr sz="1092" b="1"/>
+            <a:lvl4pPr marL="1151870" indent="0">
+              <a:buNone/>
+              <a:defRPr sz="1344" b="1"/>
             </a:lvl4pPr>
-            <a:lvl5pPr marL="1247973" indent="0">
-              <a:buNone/>
-              <a:defRPr sz="1092" b="1"/>
+            <a:lvl5pPr marL="1535826" indent="0">
+              <a:buNone/>
+              <a:defRPr sz="1344" b="1"/>
             </a:lvl5pPr>
-            <a:lvl6pPr marL="1559966" indent="0">
-              <a:buNone/>
-              <a:defRPr sz="1092" b="1"/>
+            <a:lvl6pPr marL="1919783" indent="0">
+              <a:buNone/>
+              <a:defRPr sz="1344" b="1"/>
             </a:lvl6pPr>
-            <a:lvl7pPr marL="1871960" indent="0">
-              <a:buNone/>
-              <a:defRPr sz="1092" b="1"/>
+            <a:lvl7pPr marL="2303739" indent="0">
+              <a:buNone/>
+              <a:defRPr sz="1344" b="1"/>
             </a:lvl7pPr>
-            <a:lvl8pPr marL="2183953" indent="0">
-              <a:buNone/>
-              <a:defRPr sz="1092" b="1"/>
+            <a:lvl8pPr marL="2687696" indent="0">
+              <a:buNone/>
+              <a:defRPr sz="1344" b="1"/>
             </a:lvl8pPr>
-            <a:lvl9pPr marL="2495946" indent="0">
-              <a:buNone/>
-              <a:defRPr sz="1092" b="1"/>
+            <a:lvl9pPr marL="3071652" indent="0">
+              <a:buNone/>
+              <a:defRPr sz="1344" b="1"/>
             </a:lvl9pPr>
           </a:lstStyle>
           <a:p>
@@ -1424,8 +1424,8 @@
         </p:nvSpPr>
         <p:spPr>
           <a:xfrm>
-            <a:off x="843069" y="1709482"/>
-            <a:ext cx="5177935" cy="2514390"/>
+            <a:off x="833228" y="2103799"/>
+            <a:ext cx="5117492" cy="3094372"/>
           </a:xfrm>
         </p:spPr>
         <p:txBody>
@@ -1481,8 +1481,8 @@
         </p:nvSpPr>
         <p:spPr>
           <a:xfrm>
-            <a:off x="6196310" y="1147238"/>
-            <a:ext cx="5203435" cy="562244"/>
+            <a:off x="6123980" y="1411865"/>
+            <a:ext cx="5142694" cy="691934"/>
           </a:xfrm>
         </p:spPr>
         <p:txBody>
@@ -1490,39 +1490,39 @@
           <a:lstStyle>
             <a:lvl1pPr marL="0" indent="0">
               <a:buNone/>
-              <a:defRPr sz="1638" b="1"/>
+              <a:defRPr sz="2016" b="1"/>
             </a:lvl1pPr>
-            <a:lvl2pPr marL="311993" indent="0">
-              <a:buNone/>
-              <a:defRPr sz="1365" b="1"/>
+            <a:lvl2pPr marL="383957" indent="0">
+              <a:buNone/>
+              <a:defRPr sz="1680" b="1"/>
             </a:lvl2pPr>
-            <a:lvl3pPr marL="623987" indent="0">
-              <a:buNone/>
-              <a:defRPr sz="1228" b="1"/>
+            <a:lvl3pPr marL="767913" indent="0">
+              <a:buNone/>
+              <a:defRPr sz="1512" b="1"/>
             </a:lvl3pPr>
-            <a:lvl4pPr marL="935980" indent="0">
-              <a:buNone/>
-              <a:defRPr sz="1092" b="1"/>
+            <a:lvl4pPr marL="1151870" indent="0">
+              <a:buNone/>
+              <a:defRPr sz="1344" b="1"/>
             </a:lvl4pPr>
-            <a:lvl5pPr marL="1247973" indent="0">
-              <a:buNone/>
-              <a:defRPr sz="1092" b="1"/>
+            <a:lvl5pPr marL="1535826" indent="0">
+              <a:buNone/>
+              <a:defRPr sz="1344" b="1"/>
             </a:lvl5pPr>
-            <a:lvl6pPr marL="1559966" indent="0">
-              <a:buNone/>
-              <a:defRPr sz="1092" b="1"/>
+            <a:lvl6pPr marL="1919783" indent="0">
+              <a:buNone/>
+              <a:defRPr sz="1344" b="1"/>
             </a:lvl6pPr>
-            <a:lvl7pPr marL="1871960" indent="0">
-              <a:buNone/>
-              <a:defRPr sz="1092" b="1"/>
+            <a:lvl7pPr marL="2303739" indent="0">
+              <a:buNone/>
+              <a:defRPr sz="1344" b="1"/>
             </a:lvl7pPr>
-            <a:lvl8pPr marL="2183953" indent="0">
-              <a:buNone/>
-              <a:defRPr sz="1092" b="1"/>
+            <a:lvl8pPr marL="2687696" indent="0">
+              <a:buNone/>
+              <a:defRPr sz="1344" b="1"/>
             </a:lvl8pPr>
-            <a:lvl9pPr marL="2495946" indent="0">
-              <a:buNone/>
-              <a:defRPr sz="1092" b="1"/>
+            <a:lvl9pPr marL="3071652" indent="0">
+              <a:buNone/>
+              <a:defRPr sz="1344" b="1"/>
             </a:lvl9pPr>
           </a:lstStyle>
           <a:p>
@@ -1546,8 +1546,8 @@
         </p:nvSpPr>
         <p:spPr>
           <a:xfrm>
-            <a:off x="6196310" y="1709482"/>
-            <a:ext cx="5203435" cy="2514390"/>
+            <a:off x="6123980" y="2103799"/>
+            <a:ext cx="5142694" cy="3094372"/>
           </a:xfrm>
         </p:spPr>
         <p:txBody>
@@ -1608,7 +1608,7 @@
           <a:p>
             <a:fld id="{57FF0C53-773C-DD4A-B534-9879AE380A4C}" type="datetimeFigureOut">
               <a:rPr kumimoji="1" lang="zh-CN" altLang="en-US" smtClean="0"/>
-              <a:t>2022/10/28</a:t>
+              <a:t>2022/10/29</a:t>
             </a:fld>
             <a:endParaRPr kumimoji="1" lang="zh-CN" altLang="en-US"/>
           </a:p>
@@ -1659,7 +1659,7 @@
     </p:spTree>
     <p:extLst>
       <p:ext uri="{BB962C8B-B14F-4D97-AF65-F5344CB8AC3E}">
-        <p14:creationId xmlns:p14="http://schemas.microsoft.com/office/powerpoint/2010/main" val="2274457573"/>
+        <p14:creationId xmlns:p14="http://schemas.microsoft.com/office/powerpoint/2010/main" val="128578"/>
       </p:ext>
     </p:extLst>
   </p:cSld>
@@ -1726,7 +1726,7 @@
           <a:p>
             <a:fld id="{57FF0C53-773C-DD4A-B534-9879AE380A4C}" type="datetimeFigureOut">
               <a:rPr kumimoji="1" lang="zh-CN" altLang="en-US" smtClean="0"/>
-              <a:t>2022/10/28</a:t>
+              <a:t>2022/10/29</a:t>
             </a:fld>
             <a:endParaRPr kumimoji="1" lang="zh-CN" altLang="en-US"/>
           </a:p>
@@ -1777,7 +1777,7 @@
     </p:spTree>
     <p:extLst>
       <p:ext uri="{BB962C8B-B14F-4D97-AF65-F5344CB8AC3E}">
-        <p14:creationId xmlns:p14="http://schemas.microsoft.com/office/powerpoint/2010/main" val="375398078"/>
+        <p14:creationId xmlns:p14="http://schemas.microsoft.com/office/powerpoint/2010/main" val="944716083"/>
       </p:ext>
     </p:extLst>
   </p:cSld>
@@ -1821,7 +1821,7 @@
           <a:p>
             <a:fld id="{57FF0C53-773C-DD4A-B534-9879AE380A4C}" type="datetimeFigureOut">
               <a:rPr kumimoji="1" lang="zh-CN" altLang="en-US" smtClean="0"/>
-              <a:t>2022/10/28</a:t>
+              <a:t>2022/10/29</a:t>
             </a:fld>
             <a:endParaRPr kumimoji="1" lang="zh-CN" altLang="en-US"/>
           </a:p>
@@ -1872,7 +1872,7 @@
     </p:spTree>
     <p:extLst>
       <p:ext uri="{BB962C8B-B14F-4D97-AF65-F5344CB8AC3E}">
-        <p14:creationId xmlns:p14="http://schemas.microsoft.com/office/powerpoint/2010/main" val="4107226976"/>
+        <p14:creationId xmlns:p14="http://schemas.microsoft.com/office/powerpoint/2010/main" val="3198618533"/>
       </p:ext>
     </p:extLst>
   </p:cSld>
@@ -1911,15 +1911,15 @@
         </p:nvSpPr>
         <p:spPr>
           <a:xfrm>
-            <a:off x="843069" y="311997"/>
-            <a:ext cx="3947597" cy="1091988"/>
+            <a:off x="833228" y="383963"/>
+            <a:ext cx="3901516" cy="1343872"/>
           </a:xfrm>
         </p:spPr>
         <p:txBody>
           <a:bodyPr anchor="b"/>
           <a:lstStyle>
             <a:lvl1pPr>
-              <a:defRPr sz="2184"/>
+              <a:defRPr sz="2687"/>
             </a:lvl1pPr>
           </a:lstStyle>
           <a:p>
@@ -1943,39 +1943,39 @@
         </p:nvSpPr>
         <p:spPr>
           <a:xfrm>
-            <a:off x="5203435" y="673826"/>
-            <a:ext cx="6196310" cy="3325798"/>
+            <a:off x="5142694" y="829255"/>
+            <a:ext cx="6123980" cy="4092942"/>
           </a:xfrm>
         </p:spPr>
         <p:txBody>
           <a:bodyPr/>
           <a:lstStyle>
             <a:lvl1pPr>
-              <a:defRPr sz="2184"/>
+              <a:defRPr sz="2687"/>
             </a:lvl1pPr>
             <a:lvl2pPr>
-              <a:defRPr sz="1911"/>
+              <a:defRPr sz="2351"/>
             </a:lvl2pPr>
             <a:lvl3pPr>
-              <a:defRPr sz="1638"/>
+              <a:defRPr sz="2016"/>
             </a:lvl3pPr>
             <a:lvl4pPr>
-              <a:defRPr sz="1365"/>
+              <a:defRPr sz="1680"/>
             </a:lvl4pPr>
             <a:lvl5pPr>
-              <a:defRPr sz="1365"/>
+              <a:defRPr sz="1680"/>
             </a:lvl5pPr>
             <a:lvl6pPr>
-              <a:defRPr sz="1365"/>
+              <a:defRPr sz="1680"/>
             </a:lvl6pPr>
             <a:lvl7pPr>
-              <a:defRPr sz="1365"/>
+              <a:defRPr sz="1680"/>
             </a:lvl7pPr>
             <a:lvl8pPr>
-              <a:defRPr sz="1365"/>
+              <a:defRPr sz="1680"/>
             </a:lvl8pPr>
             <a:lvl9pPr>
-              <a:defRPr sz="1365"/>
+              <a:defRPr sz="1680"/>
             </a:lvl9pPr>
           </a:lstStyle>
           <a:p>
@@ -2028,8 +2028,8 @@
         </p:nvSpPr>
         <p:spPr>
           <a:xfrm>
-            <a:off x="843069" y="1403985"/>
-            <a:ext cx="3947597" cy="2601056"/>
+            <a:off x="833228" y="1727835"/>
+            <a:ext cx="3901516" cy="3201028"/>
           </a:xfrm>
         </p:spPr>
         <p:txBody>
@@ -2037,39 +2037,39 @@
           <a:lstStyle>
             <a:lvl1pPr marL="0" indent="0">
               <a:buNone/>
-              <a:defRPr sz="1092"/>
+              <a:defRPr sz="1344"/>
             </a:lvl1pPr>
-            <a:lvl2pPr marL="311993" indent="0">
-              <a:buNone/>
-              <a:defRPr sz="955"/>
+            <a:lvl2pPr marL="383957" indent="0">
+              <a:buNone/>
+              <a:defRPr sz="1176"/>
             </a:lvl2pPr>
-            <a:lvl3pPr marL="623987" indent="0">
-              <a:buNone/>
-              <a:defRPr sz="819"/>
+            <a:lvl3pPr marL="767913" indent="0">
+              <a:buNone/>
+              <a:defRPr sz="1008"/>
             </a:lvl3pPr>
-            <a:lvl4pPr marL="935980" indent="0">
-              <a:buNone/>
-              <a:defRPr sz="682"/>
+            <a:lvl4pPr marL="1151870" indent="0">
+              <a:buNone/>
+              <a:defRPr sz="840"/>
             </a:lvl4pPr>
-            <a:lvl5pPr marL="1247973" indent="0">
-              <a:buNone/>
-              <a:defRPr sz="682"/>
+            <a:lvl5pPr marL="1535826" indent="0">
+              <a:buNone/>
+              <a:defRPr sz="840"/>
             </a:lvl5pPr>
-            <a:lvl6pPr marL="1559966" indent="0">
-              <a:buNone/>
-              <a:defRPr sz="682"/>
+            <a:lvl6pPr marL="1919783" indent="0">
+              <a:buNone/>
+              <a:defRPr sz="840"/>
             </a:lvl6pPr>
-            <a:lvl7pPr marL="1871960" indent="0">
-              <a:buNone/>
-              <a:defRPr sz="682"/>
+            <a:lvl7pPr marL="2303739" indent="0">
+              <a:buNone/>
+              <a:defRPr sz="840"/>
             </a:lvl7pPr>
-            <a:lvl8pPr marL="2183953" indent="0">
-              <a:buNone/>
-              <a:defRPr sz="682"/>
+            <a:lvl8pPr marL="2687696" indent="0">
+              <a:buNone/>
+              <a:defRPr sz="840"/>
             </a:lvl8pPr>
-            <a:lvl9pPr marL="2495946" indent="0">
-              <a:buNone/>
-              <a:defRPr sz="682"/>
+            <a:lvl9pPr marL="3071652" indent="0">
+              <a:buNone/>
+              <a:defRPr sz="840"/>
             </a:lvl9pPr>
           </a:lstStyle>
           <a:p>
@@ -2098,7 +2098,7 @@
           <a:p>
             <a:fld id="{57FF0C53-773C-DD4A-B534-9879AE380A4C}" type="datetimeFigureOut">
               <a:rPr kumimoji="1" lang="zh-CN" altLang="en-US" smtClean="0"/>
-              <a:t>2022/10/28</a:t>
+              <a:t>2022/10/29</a:t>
             </a:fld>
             <a:endParaRPr kumimoji="1" lang="zh-CN" altLang="en-US"/>
           </a:p>
@@ -2149,7 +2149,7 @@
     </p:spTree>
     <p:extLst>
       <p:ext uri="{BB962C8B-B14F-4D97-AF65-F5344CB8AC3E}">
-        <p14:creationId xmlns:p14="http://schemas.microsoft.com/office/powerpoint/2010/main" val="4221071"/>
+        <p14:creationId xmlns:p14="http://schemas.microsoft.com/office/powerpoint/2010/main" val="989916510"/>
       </p:ext>
     </p:extLst>
   </p:cSld>
@@ -2188,15 +2188,15 @@
         </p:nvSpPr>
         <p:spPr>
           <a:xfrm>
-            <a:off x="843069" y="311997"/>
-            <a:ext cx="3947597" cy="1091988"/>
+            <a:off x="833228" y="383963"/>
+            <a:ext cx="3901516" cy="1343872"/>
           </a:xfrm>
         </p:spPr>
         <p:txBody>
           <a:bodyPr anchor="b"/>
           <a:lstStyle>
             <a:lvl1pPr>
-              <a:defRPr sz="2184"/>
+              <a:defRPr sz="2687"/>
             </a:lvl1pPr>
           </a:lstStyle>
           <a:p>
@@ -2220,8 +2220,8 @@
         </p:nvSpPr>
         <p:spPr>
           <a:xfrm>
-            <a:off x="5203435" y="673826"/>
-            <a:ext cx="6196310" cy="3325798"/>
+            <a:off x="5142694" y="829255"/>
+            <a:ext cx="6123980" cy="4092942"/>
           </a:xfrm>
         </p:spPr>
         <p:txBody>
@@ -2229,39 +2229,39 @@
           <a:lstStyle>
             <a:lvl1pPr marL="0" indent="0">
               <a:buNone/>
-              <a:defRPr sz="2184"/>
+              <a:defRPr sz="2687"/>
             </a:lvl1pPr>
-            <a:lvl2pPr marL="311993" indent="0">
-              <a:buNone/>
-              <a:defRPr sz="1911"/>
+            <a:lvl2pPr marL="383957" indent="0">
+              <a:buNone/>
+              <a:defRPr sz="2351"/>
             </a:lvl2pPr>
-            <a:lvl3pPr marL="623987" indent="0">
-              <a:buNone/>
-              <a:defRPr sz="1638"/>
+            <a:lvl3pPr marL="767913" indent="0">
+              <a:buNone/>
+              <a:defRPr sz="2016"/>
             </a:lvl3pPr>
-            <a:lvl4pPr marL="935980" indent="0">
-              <a:buNone/>
-              <a:defRPr sz="1365"/>
+            <a:lvl4pPr marL="1151870" indent="0">
+              <a:buNone/>
+              <a:defRPr sz="1680"/>
             </a:lvl4pPr>
-            <a:lvl5pPr marL="1247973" indent="0">
-              <a:buNone/>
-              <a:defRPr sz="1365"/>
+            <a:lvl5pPr marL="1535826" indent="0">
+              <a:buNone/>
+              <a:defRPr sz="1680"/>
             </a:lvl5pPr>
-            <a:lvl6pPr marL="1559966" indent="0">
-              <a:buNone/>
-              <a:defRPr sz="1365"/>
+            <a:lvl6pPr marL="1919783" indent="0">
+              <a:buNone/>
+              <a:defRPr sz="1680"/>
             </a:lvl6pPr>
-            <a:lvl7pPr marL="1871960" indent="0">
-              <a:buNone/>
-              <a:defRPr sz="1365"/>
+            <a:lvl7pPr marL="2303739" indent="0">
+              <a:buNone/>
+              <a:defRPr sz="1680"/>
             </a:lvl7pPr>
-            <a:lvl8pPr marL="2183953" indent="0">
-              <a:buNone/>
-              <a:defRPr sz="1365"/>
+            <a:lvl8pPr marL="2687696" indent="0">
+              <a:buNone/>
+              <a:defRPr sz="1680"/>
             </a:lvl8pPr>
-            <a:lvl9pPr marL="2495946" indent="0">
-              <a:buNone/>
-              <a:defRPr sz="1365"/>
+            <a:lvl9pPr marL="3071652" indent="0">
+              <a:buNone/>
+              <a:defRPr sz="1680"/>
             </a:lvl9pPr>
           </a:lstStyle>
           <a:p>
@@ -2285,8 +2285,8 @@
         </p:nvSpPr>
         <p:spPr>
           <a:xfrm>
-            <a:off x="843069" y="1403985"/>
-            <a:ext cx="3947597" cy="2601056"/>
+            <a:off x="833228" y="1727835"/>
+            <a:ext cx="3901516" cy="3201028"/>
           </a:xfrm>
         </p:spPr>
         <p:txBody>
@@ -2294,39 +2294,39 @@
           <a:lstStyle>
             <a:lvl1pPr marL="0" indent="0">
               <a:buNone/>
-              <a:defRPr sz="1092"/>
+              <a:defRPr sz="1344"/>
             </a:lvl1pPr>
-            <a:lvl2pPr marL="311993" indent="0">
-              <a:buNone/>
-              <a:defRPr sz="955"/>
+            <a:lvl2pPr marL="383957" indent="0">
+              <a:buNone/>
+              <a:defRPr sz="1176"/>
             </a:lvl2pPr>
-            <a:lvl3pPr marL="623987" indent="0">
-              <a:buNone/>
-              <a:defRPr sz="819"/>
+            <a:lvl3pPr marL="767913" indent="0">
+              <a:buNone/>
+              <a:defRPr sz="1008"/>
             </a:lvl3pPr>
-            <a:lvl4pPr marL="935980" indent="0">
-              <a:buNone/>
-              <a:defRPr sz="682"/>
+            <a:lvl4pPr marL="1151870" indent="0">
+              <a:buNone/>
+              <a:defRPr sz="840"/>
             </a:lvl4pPr>
-            <a:lvl5pPr marL="1247973" indent="0">
-              <a:buNone/>
-              <a:defRPr sz="682"/>
+            <a:lvl5pPr marL="1535826" indent="0">
+              <a:buNone/>
+              <a:defRPr sz="840"/>
             </a:lvl5pPr>
-            <a:lvl6pPr marL="1559966" indent="0">
-              <a:buNone/>
-              <a:defRPr sz="682"/>
+            <a:lvl6pPr marL="1919783" indent="0">
+              <a:buNone/>
+              <a:defRPr sz="840"/>
             </a:lvl6pPr>
-            <a:lvl7pPr marL="1871960" indent="0">
-              <a:buNone/>
-              <a:defRPr sz="682"/>
+            <a:lvl7pPr marL="2303739" indent="0">
+              <a:buNone/>
+              <a:defRPr sz="840"/>
             </a:lvl7pPr>
-            <a:lvl8pPr marL="2183953" indent="0">
-              <a:buNone/>
-              <a:defRPr sz="682"/>
+            <a:lvl8pPr marL="2687696" indent="0">
+              <a:buNone/>
+              <a:defRPr sz="840"/>
             </a:lvl8pPr>
-            <a:lvl9pPr marL="2495946" indent="0">
-              <a:buNone/>
-              <a:defRPr sz="682"/>
+            <a:lvl9pPr marL="3071652" indent="0">
+              <a:buNone/>
+              <a:defRPr sz="840"/>
             </a:lvl9pPr>
           </a:lstStyle>
           <a:p>
@@ -2355,7 +2355,7 @@
           <a:p>
             <a:fld id="{57FF0C53-773C-DD4A-B534-9879AE380A4C}" type="datetimeFigureOut">
               <a:rPr kumimoji="1" lang="zh-CN" altLang="en-US" smtClean="0"/>
-              <a:t>2022/10/28</a:t>
+              <a:t>2022/10/29</a:t>
             </a:fld>
             <a:endParaRPr kumimoji="1" lang="zh-CN" altLang="en-US"/>
           </a:p>
@@ -2406,7 +2406,7 @@
     </p:spTree>
     <p:extLst>
       <p:ext uri="{BB962C8B-B14F-4D97-AF65-F5344CB8AC3E}">
-        <p14:creationId xmlns:p14="http://schemas.microsoft.com/office/powerpoint/2010/main" val="1377802101"/>
+        <p14:creationId xmlns:p14="http://schemas.microsoft.com/office/powerpoint/2010/main" val="591825415"/>
       </p:ext>
     </p:extLst>
   </p:cSld>
@@ -2450,8 +2450,8 @@
         </p:nvSpPr>
         <p:spPr>
           <a:xfrm>
-            <a:off x="841474" y="249164"/>
-            <a:ext cx="10556677" cy="904574"/>
+            <a:off x="831652" y="306638"/>
+            <a:ext cx="10433447" cy="1113227"/>
           </a:xfrm>
           <a:prstGeom prst="rect">
             <a:avLst/>
@@ -2483,8 +2483,8 @@
         </p:nvSpPr>
         <p:spPr>
           <a:xfrm>
-            <a:off x="841474" y="1245820"/>
-            <a:ext cx="10556677" cy="2969385"/>
+            <a:off x="831652" y="1533187"/>
+            <a:ext cx="10433447" cy="3654318"/>
           </a:xfrm>
           <a:prstGeom prst="rect">
             <a:avLst/>
@@ -2545,8 +2545,8 @@
         </p:nvSpPr>
         <p:spPr>
           <a:xfrm>
-            <a:off x="841474" y="4337621"/>
-            <a:ext cx="2753916" cy="249164"/>
+            <a:off x="831651" y="5338158"/>
+            <a:ext cx="2721769" cy="306637"/>
           </a:xfrm>
           <a:prstGeom prst="rect">
             <a:avLst/>
@@ -2556,7 +2556,7 @@
           <a:bodyPr vert="horz" lIns="91440" tIns="45720" rIns="91440" bIns="45720" rtlCol="0" anchor="ctr"/>
           <a:lstStyle>
             <a:lvl1pPr algn="l">
-              <a:defRPr sz="819">
+              <a:defRPr sz="1008">
                 <a:solidFill>
                   <a:schemeClr val="tx1">
                     <a:tint val="75000"/>
@@ -2568,7 +2568,7 @@
           <a:p>
             <a:fld id="{57FF0C53-773C-DD4A-B534-9879AE380A4C}" type="datetimeFigureOut">
               <a:rPr kumimoji="1" lang="zh-CN" altLang="en-US" smtClean="0"/>
-              <a:t>2022/10/28</a:t>
+              <a:t>2022/10/29</a:t>
             </a:fld>
             <a:endParaRPr kumimoji="1" lang="zh-CN" altLang="en-US"/>
           </a:p>
@@ -2586,8 +2586,8 @@
         </p:nvSpPr>
         <p:spPr>
           <a:xfrm>
-            <a:off x="4054376" y="4337621"/>
-            <a:ext cx="4130873" cy="249164"/>
+            <a:off x="4007049" y="5338158"/>
+            <a:ext cx="4082653" cy="306637"/>
           </a:xfrm>
           <a:prstGeom prst="rect">
             <a:avLst/>
@@ -2597,7 +2597,7 @@
           <a:bodyPr vert="horz" lIns="91440" tIns="45720" rIns="91440" bIns="45720" rtlCol="0" anchor="ctr"/>
           <a:lstStyle>
             <a:lvl1pPr algn="ctr">
-              <a:defRPr sz="819">
+              <a:defRPr sz="1008">
                 <a:solidFill>
                   <a:schemeClr val="tx1">
                     <a:tint val="75000"/>
@@ -2623,8 +2623,8 @@
         </p:nvSpPr>
         <p:spPr>
           <a:xfrm>
-            <a:off x="8644235" y="4337621"/>
-            <a:ext cx="2753916" cy="249164"/>
+            <a:off x="8543330" y="5338158"/>
+            <a:ext cx="2721769" cy="306637"/>
           </a:xfrm>
           <a:prstGeom prst="rect">
             <a:avLst/>
@@ -2634,7 +2634,7 @@
           <a:bodyPr vert="horz" lIns="91440" tIns="45720" rIns="91440" bIns="45720" rtlCol="0" anchor="ctr"/>
           <a:lstStyle>
             <a:lvl1pPr algn="r">
-              <a:defRPr sz="819">
+              <a:defRPr sz="1008">
                 <a:solidFill>
                   <a:schemeClr val="tx1">
                     <a:tint val="75000"/>
@@ -2655,27 +2655,27 @@
     </p:spTree>
     <p:extLst>
       <p:ext uri="{BB962C8B-B14F-4D97-AF65-F5344CB8AC3E}">
-        <p14:creationId xmlns:p14="http://schemas.microsoft.com/office/powerpoint/2010/main" val="2717630744"/>
+        <p14:creationId xmlns:p14="http://schemas.microsoft.com/office/powerpoint/2010/main" val="4184261848"/>
       </p:ext>
     </p:extLst>
   </p:cSld>
   <p:clrMap bg1="lt1" tx1="dk1" bg2="lt2" tx2="dk2" accent1="accent1" accent2="accent2" accent3="accent3" accent4="accent4" accent5="accent5" accent6="accent6" hlink="hlink" folHlink="folHlink"/>
   <p:sldLayoutIdLst>
-    <p:sldLayoutId id="2147483757" r:id="rId1"/>
-    <p:sldLayoutId id="2147483758" r:id="rId2"/>
-    <p:sldLayoutId id="2147483759" r:id="rId3"/>
-    <p:sldLayoutId id="2147483760" r:id="rId4"/>
-    <p:sldLayoutId id="2147483761" r:id="rId5"/>
-    <p:sldLayoutId id="2147483762" r:id="rId6"/>
-    <p:sldLayoutId id="2147483763" r:id="rId7"/>
-    <p:sldLayoutId id="2147483764" r:id="rId8"/>
-    <p:sldLayoutId id="2147483765" r:id="rId9"/>
-    <p:sldLayoutId id="2147483766" r:id="rId10"/>
-    <p:sldLayoutId id="2147483767" r:id="rId11"/>
+    <p:sldLayoutId id="2147483793" r:id="rId1"/>
+    <p:sldLayoutId id="2147483794" r:id="rId2"/>
+    <p:sldLayoutId id="2147483795" r:id="rId3"/>
+    <p:sldLayoutId id="2147483796" r:id="rId4"/>
+    <p:sldLayoutId id="2147483797" r:id="rId5"/>
+    <p:sldLayoutId id="2147483798" r:id="rId6"/>
+    <p:sldLayoutId id="2147483799" r:id="rId7"/>
+    <p:sldLayoutId id="2147483800" r:id="rId8"/>
+    <p:sldLayoutId id="2147483801" r:id="rId9"/>
+    <p:sldLayoutId id="2147483802" r:id="rId10"/>
+    <p:sldLayoutId id="2147483803" r:id="rId11"/>
   </p:sldLayoutIdLst>
   <p:txStyles>
     <p:titleStyle>
-      <a:lvl1pPr algn="l" defTabSz="623987" rtl="0" eaLnBrk="1" latinLnBrk="0" hangingPunct="1">
+      <a:lvl1pPr algn="l" defTabSz="767913" rtl="0" eaLnBrk="1" latinLnBrk="0" hangingPunct="1">
         <a:lnSpc>
           <a:spcPct val="90000"/>
         </a:lnSpc>
@@ -2683,7 +2683,7 @@
           <a:spcPct val="0"/>
         </a:spcBef>
         <a:buNone/>
-        <a:defRPr sz="3003" kern="1200">
+        <a:defRPr sz="3695" kern="1200">
           <a:solidFill>
             <a:schemeClr val="tx1"/>
           </a:solidFill>
@@ -2694,16 +2694,16 @@
       </a:lvl1pPr>
     </p:titleStyle>
     <p:bodyStyle>
-      <a:lvl1pPr marL="155997" indent="-155997" algn="l" defTabSz="623987" rtl="0" eaLnBrk="1" latinLnBrk="0" hangingPunct="1">
+      <a:lvl1pPr marL="191978" indent="-191978" algn="l" defTabSz="767913" rtl="0" eaLnBrk="1" latinLnBrk="0" hangingPunct="1">
         <a:lnSpc>
           <a:spcPct val="90000"/>
         </a:lnSpc>
         <a:spcBef>
-          <a:spcPts val="682"/>
+          <a:spcPts val="840"/>
         </a:spcBef>
         <a:buFont typeface="Arial" panose="020B0604020202020204" pitchFamily="34" charset="0"/>
         <a:buChar char="•"/>
-        <a:defRPr sz="1911" kern="1200">
+        <a:defRPr sz="2351" kern="1200">
           <a:solidFill>
             <a:schemeClr val="tx1"/>
           </a:solidFill>
@@ -2712,16 +2712,16 @@
           <a:cs typeface="+mn-cs"/>
         </a:defRPr>
       </a:lvl1pPr>
-      <a:lvl2pPr marL="467990" indent="-155997" algn="l" defTabSz="623987" rtl="0" eaLnBrk="1" latinLnBrk="0" hangingPunct="1">
+      <a:lvl2pPr marL="575935" indent="-191978" algn="l" defTabSz="767913" rtl="0" eaLnBrk="1" latinLnBrk="0" hangingPunct="1">
         <a:lnSpc>
           <a:spcPct val="90000"/>
         </a:lnSpc>
         <a:spcBef>
-          <a:spcPts val="341"/>
+          <a:spcPts val="420"/>
         </a:spcBef>
         <a:buFont typeface="Arial" panose="020B0604020202020204" pitchFamily="34" charset="0"/>
         <a:buChar char="•"/>
-        <a:defRPr sz="1638" kern="1200">
+        <a:defRPr sz="2016" kern="1200">
           <a:solidFill>
             <a:schemeClr val="tx1"/>
           </a:solidFill>
@@ -2730,16 +2730,16 @@
           <a:cs typeface="+mn-cs"/>
         </a:defRPr>
       </a:lvl2pPr>
-      <a:lvl3pPr marL="779983" indent="-155997" algn="l" defTabSz="623987" rtl="0" eaLnBrk="1" latinLnBrk="0" hangingPunct="1">
+      <a:lvl3pPr marL="959891" indent="-191978" algn="l" defTabSz="767913" rtl="0" eaLnBrk="1" latinLnBrk="0" hangingPunct="1">
         <a:lnSpc>
           <a:spcPct val="90000"/>
         </a:lnSpc>
         <a:spcBef>
-          <a:spcPts val="341"/>
+          <a:spcPts val="420"/>
         </a:spcBef>
         <a:buFont typeface="Arial" panose="020B0604020202020204" pitchFamily="34" charset="0"/>
         <a:buChar char="•"/>
-        <a:defRPr sz="1365" kern="1200">
+        <a:defRPr sz="1680" kern="1200">
           <a:solidFill>
             <a:schemeClr val="tx1"/>
           </a:solidFill>
@@ -2748,16 +2748,16 @@
           <a:cs typeface="+mn-cs"/>
         </a:defRPr>
       </a:lvl3pPr>
-      <a:lvl4pPr marL="1091976" indent="-155997" algn="l" defTabSz="623987" rtl="0" eaLnBrk="1" latinLnBrk="0" hangingPunct="1">
+      <a:lvl4pPr marL="1343848" indent="-191978" algn="l" defTabSz="767913" rtl="0" eaLnBrk="1" latinLnBrk="0" hangingPunct="1">
         <a:lnSpc>
           <a:spcPct val="90000"/>
         </a:lnSpc>
         <a:spcBef>
-          <a:spcPts val="341"/>
+          <a:spcPts val="420"/>
         </a:spcBef>
         <a:buFont typeface="Arial" panose="020B0604020202020204" pitchFamily="34" charset="0"/>
         <a:buChar char="•"/>
-        <a:defRPr sz="1228" kern="1200">
+        <a:defRPr sz="1512" kern="1200">
           <a:solidFill>
             <a:schemeClr val="tx1"/>
           </a:solidFill>
@@ -2766,16 +2766,16 @@
           <a:cs typeface="+mn-cs"/>
         </a:defRPr>
       </a:lvl4pPr>
-      <a:lvl5pPr marL="1403970" indent="-155997" algn="l" defTabSz="623987" rtl="0" eaLnBrk="1" latinLnBrk="0" hangingPunct="1">
+      <a:lvl5pPr marL="1727805" indent="-191978" algn="l" defTabSz="767913" rtl="0" eaLnBrk="1" latinLnBrk="0" hangingPunct="1">
         <a:lnSpc>
           <a:spcPct val="90000"/>
         </a:lnSpc>
         <a:spcBef>
-          <a:spcPts val="341"/>
+          <a:spcPts val="420"/>
         </a:spcBef>
         <a:buFont typeface="Arial" panose="020B0604020202020204" pitchFamily="34" charset="0"/>
         <a:buChar char="•"/>
-        <a:defRPr sz="1228" kern="1200">
+        <a:defRPr sz="1512" kern="1200">
           <a:solidFill>
             <a:schemeClr val="tx1"/>
           </a:solidFill>
@@ -2784,16 +2784,16 @@
           <a:cs typeface="+mn-cs"/>
         </a:defRPr>
       </a:lvl5pPr>
-      <a:lvl6pPr marL="1715963" indent="-155997" algn="l" defTabSz="623987" rtl="0" eaLnBrk="1" latinLnBrk="0" hangingPunct="1">
+      <a:lvl6pPr marL="2111761" indent="-191978" algn="l" defTabSz="767913" rtl="0" eaLnBrk="1" latinLnBrk="0" hangingPunct="1">
         <a:lnSpc>
           <a:spcPct val="90000"/>
         </a:lnSpc>
         <a:spcBef>
-          <a:spcPts val="341"/>
+          <a:spcPts val="420"/>
         </a:spcBef>
         <a:buFont typeface="Arial" panose="020B0604020202020204" pitchFamily="34" charset="0"/>
         <a:buChar char="•"/>
-        <a:defRPr sz="1228" kern="1200">
+        <a:defRPr sz="1512" kern="1200">
           <a:solidFill>
             <a:schemeClr val="tx1"/>
           </a:solidFill>
@@ -2802,16 +2802,16 @@
           <a:cs typeface="+mn-cs"/>
         </a:defRPr>
       </a:lvl6pPr>
-      <a:lvl7pPr marL="2027956" indent="-155997" algn="l" defTabSz="623987" rtl="0" eaLnBrk="1" latinLnBrk="0" hangingPunct="1">
+      <a:lvl7pPr marL="2495718" indent="-191978" algn="l" defTabSz="767913" rtl="0" eaLnBrk="1" latinLnBrk="0" hangingPunct="1">
         <a:lnSpc>
           <a:spcPct val="90000"/>
         </a:lnSpc>
         <a:spcBef>
-          <a:spcPts val="341"/>
+          <a:spcPts val="420"/>
         </a:spcBef>
         <a:buFont typeface="Arial" panose="020B0604020202020204" pitchFamily="34" charset="0"/>
         <a:buChar char="•"/>
-        <a:defRPr sz="1228" kern="1200">
+        <a:defRPr sz="1512" kern="1200">
           <a:solidFill>
             <a:schemeClr val="tx1"/>
           </a:solidFill>
@@ -2820,16 +2820,16 @@
           <a:cs typeface="+mn-cs"/>
         </a:defRPr>
       </a:lvl7pPr>
-      <a:lvl8pPr marL="2339950" indent="-155997" algn="l" defTabSz="623987" rtl="0" eaLnBrk="1" latinLnBrk="0" hangingPunct="1">
+      <a:lvl8pPr marL="2879674" indent="-191978" algn="l" defTabSz="767913" rtl="0" eaLnBrk="1" latinLnBrk="0" hangingPunct="1">
         <a:lnSpc>
           <a:spcPct val="90000"/>
         </a:lnSpc>
         <a:spcBef>
-          <a:spcPts val="341"/>
+          <a:spcPts val="420"/>
         </a:spcBef>
         <a:buFont typeface="Arial" panose="020B0604020202020204" pitchFamily="34" charset="0"/>
         <a:buChar char="•"/>
-        <a:defRPr sz="1228" kern="1200">
+        <a:defRPr sz="1512" kern="1200">
           <a:solidFill>
             <a:schemeClr val="tx1"/>
           </a:solidFill>
@@ -2838,16 +2838,16 @@
           <a:cs typeface="+mn-cs"/>
         </a:defRPr>
       </a:lvl8pPr>
-      <a:lvl9pPr marL="2651943" indent="-155997" algn="l" defTabSz="623987" rtl="0" eaLnBrk="1" latinLnBrk="0" hangingPunct="1">
+      <a:lvl9pPr marL="3263631" indent="-191978" algn="l" defTabSz="767913" rtl="0" eaLnBrk="1" latinLnBrk="0" hangingPunct="1">
         <a:lnSpc>
           <a:spcPct val="90000"/>
         </a:lnSpc>
         <a:spcBef>
-          <a:spcPts val="341"/>
+          <a:spcPts val="420"/>
         </a:spcBef>
         <a:buFont typeface="Arial" panose="020B0604020202020204" pitchFamily="34" charset="0"/>
         <a:buChar char="•"/>
-        <a:defRPr sz="1228" kern="1200">
+        <a:defRPr sz="1512" kern="1200">
           <a:solidFill>
             <a:schemeClr val="tx1"/>
           </a:solidFill>
@@ -2861,8 +2861,8 @@
       <a:defPPr>
         <a:defRPr lang="en-US"/>
       </a:defPPr>
-      <a:lvl1pPr marL="0" algn="l" defTabSz="623987" rtl="0" eaLnBrk="1" latinLnBrk="0" hangingPunct="1">
-        <a:defRPr sz="1228" kern="1200">
+      <a:lvl1pPr marL="0" algn="l" defTabSz="767913" rtl="0" eaLnBrk="1" latinLnBrk="0" hangingPunct="1">
+        <a:defRPr sz="1512" kern="1200">
           <a:solidFill>
             <a:schemeClr val="tx1"/>
           </a:solidFill>
@@ -2871,8 +2871,8 @@
           <a:cs typeface="+mn-cs"/>
         </a:defRPr>
       </a:lvl1pPr>
-      <a:lvl2pPr marL="311993" algn="l" defTabSz="623987" rtl="0" eaLnBrk="1" latinLnBrk="0" hangingPunct="1">
-        <a:defRPr sz="1228" kern="1200">
+      <a:lvl2pPr marL="383957" algn="l" defTabSz="767913" rtl="0" eaLnBrk="1" latinLnBrk="0" hangingPunct="1">
+        <a:defRPr sz="1512" kern="1200">
           <a:solidFill>
             <a:schemeClr val="tx1"/>
           </a:solidFill>
@@ -2881,8 +2881,8 @@
           <a:cs typeface="+mn-cs"/>
         </a:defRPr>
       </a:lvl2pPr>
-      <a:lvl3pPr marL="623987" algn="l" defTabSz="623987" rtl="0" eaLnBrk="1" latinLnBrk="0" hangingPunct="1">
-        <a:defRPr sz="1228" kern="1200">
+      <a:lvl3pPr marL="767913" algn="l" defTabSz="767913" rtl="0" eaLnBrk="1" latinLnBrk="0" hangingPunct="1">
+        <a:defRPr sz="1512" kern="1200">
           <a:solidFill>
             <a:schemeClr val="tx1"/>
           </a:solidFill>
@@ -2891,8 +2891,8 @@
           <a:cs typeface="+mn-cs"/>
         </a:defRPr>
       </a:lvl3pPr>
-      <a:lvl4pPr marL="935980" algn="l" defTabSz="623987" rtl="0" eaLnBrk="1" latinLnBrk="0" hangingPunct="1">
-        <a:defRPr sz="1228" kern="1200">
+      <a:lvl4pPr marL="1151870" algn="l" defTabSz="767913" rtl="0" eaLnBrk="1" latinLnBrk="0" hangingPunct="1">
+        <a:defRPr sz="1512" kern="1200">
           <a:solidFill>
             <a:schemeClr val="tx1"/>
           </a:solidFill>
@@ -2901,8 +2901,8 @@
           <a:cs typeface="+mn-cs"/>
         </a:defRPr>
       </a:lvl4pPr>
-      <a:lvl5pPr marL="1247973" algn="l" defTabSz="623987" rtl="0" eaLnBrk="1" latinLnBrk="0" hangingPunct="1">
-        <a:defRPr sz="1228" kern="1200">
+      <a:lvl5pPr marL="1535826" algn="l" defTabSz="767913" rtl="0" eaLnBrk="1" latinLnBrk="0" hangingPunct="1">
+        <a:defRPr sz="1512" kern="1200">
           <a:solidFill>
             <a:schemeClr val="tx1"/>
           </a:solidFill>
@@ -2911,8 +2911,8 @@
           <a:cs typeface="+mn-cs"/>
         </a:defRPr>
       </a:lvl5pPr>
-      <a:lvl6pPr marL="1559966" algn="l" defTabSz="623987" rtl="0" eaLnBrk="1" latinLnBrk="0" hangingPunct="1">
-        <a:defRPr sz="1228" kern="1200">
+      <a:lvl6pPr marL="1919783" algn="l" defTabSz="767913" rtl="0" eaLnBrk="1" latinLnBrk="0" hangingPunct="1">
+        <a:defRPr sz="1512" kern="1200">
           <a:solidFill>
             <a:schemeClr val="tx1"/>
           </a:solidFill>
@@ -2921,8 +2921,8 @@
           <a:cs typeface="+mn-cs"/>
         </a:defRPr>
       </a:lvl6pPr>
-      <a:lvl7pPr marL="1871960" algn="l" defTabSz="623987" rtl="0" eaLnBrk="1" latinLnBrk="0" hangingPunct="1">
-        <a:defRPr sz="1228" kern="1200">
+      <a:lvl7pPr marL="2303739" algn="l" defTabSz="767913" rtl="0" eaLnBrk="1" latinLnBrk="0" hangingPunct="1">
+        <a:defRPr sz="1512" kern="1200">
           <a:solidFill>
             <a:schemeClr val="tx1"/>
           </a:solidFill>
@@ -2931,8 +2931,8 @@
           <a:cs typeface="+mn-cs"/>
         </a:defRPr>
       </a:lvl7pPr>
-      <a:lvl8pPr marL="2183953" algn="l" defTabSz="623987" rtl="0" eaLnBrk="1" latinLnBrk="0" hangingPunct="1">
-        <a:defRPr sz="1228" kern="1200">
+      <a:lvl8pPr marL="2687696" algn="l" defTabSz="767913" rtl="0" eaLnBrk="1" latinLnBrk="0" hangingPunct="1">
+        <a:defRPr sz="1512" kern="1200">
           <a:solidFill>
             <a:schemeClr val="tx1"/>
           </a:solidFill>
@@ -2941,8 +2941,8 @@
           <a:cs typeface="+mn-cs"/>
         </a:defRPr>
       </a:lvl8pPr>
-      <a:lvl9pPr marL="2495946" algn="l" defTabSz="623987" rtl="0" eaLnBrk="1" latinLnBrk="0" hangingPunct="1">
-        <a:defRPr sz="1228" kern="1200">
+      <a:lvl9pPr marL="3071652" algn="l" defTabSz="767913" rtl="0" eaLnBrk="1" latinLnBrk="0" hangingPunct="1">
+        <a:defRPr sz="1512" kern="1200">
           <a:solidFill>
             <a:schemeClr val="tx1"/>
           </a:solidFill>
@@ -2995,7 +2995,7 @@
         </p:blipFill>
         <p:spPr>
           <a:xfrm>
-            <a:off x="720000" y="3910966"/>
+            <a:off x="630563" y="4958716"/>
             <a:ext cx="5356950" cy="556566"/>
           </a:xfrm>
           <a:prstGeom prst="rect">
@@ -3025,7 +3025,7 @@
         </p:blipFill>
         <p:spPr>
           <a:xfrm>
-            <a:off x="6670800" y="3921126"/>
+            <a:off x="6606000" y="4968876"/>
             <a:ext cx="5356950" cy="556566"/>
           </a:xfrm>
           <a:prstGeom prst="rect">
@@ -3035,10 +3035,10 @@
       </p:pic>
       <p:pic>
         <p:nvPicPr>
-          <p:cNvPr id="3" name="图片 2">
+          <p:cNvPr id="4" name="图片 3" descr="图表, 折线图&#10;&#10;描述已自动生成">
             <a:extLst>
               <a:ext uri="{FF2B5EF4-FFF2-40B4-BE49-F238E27FC236}">
-                <a16:creationId xmlns:a16="http://schemas.microsoft.com/office/drawing/2014/main" id="{9A82B6B7-CB54-5553-AAB9-9E3C31ACBB0C}"/>
+                <a16:creationId xmlns:a16="http://schemas.microsoft.com/office/drawing/2014/main" id="{3E1458D0-7350-AC2E-491D-EC0B1D60FBCD}"/>
               </a:ext>
             </a:extLst>
           </p:cNvPr>
@@ -3055,8 +3055,8 @@
         </p:blipFill>
         <p:spPr>
           <a:xfrm>
-            <a:off x="292572" y="373377"/>
-            <a:ext cx="11568755" cy="3547749"/>
+            <a:off x="263997" y="202128"/>
+            <a:ext cx="11568755" cy="4756588"/>
           </a:xfrm>
           <a:prstGeom prst="rect">
             <a:avLst/>

--- a/figures/psf_err_cartoon.pptx
+++ b/figures/psf_err_cartoon.pptx
@@ -2,12 +2,12 @@
 <file path=ppt/presentation.xml><?xml version="1.0" encoding="utf-8"?>
 <p:presentation xmlns:a="http://schemas.openxmlformats.org/drawingml/2006/main" xmlns:r="http://schemas.openxmlformats.org/officeDocument/2006/relationships" xmlns:p="http://schemas.openxmlformats.org/presentationml/2006/main" saveSubsetFonts="1" autoCompressPictures="0">
   <p:sldMasterIdLst>
-    <p:sldMasterId id="2147483792" r:id="rId1"/>
+    <p:sldMasterId id="2147483864" r:id="rId1"/>
   </p:sldMasterIdLst>
   <p:sldIdLst>
     <p:sldId id="256" r:id="rId2"/>
   </p:sldIdLst>
-  <p:sldSz cx="12096750" cy="5759450"/>
+  <p:sldSz cx="12096750" cy="4716463"/>
   <p:notesSz cx="6858000" cy="9144000"/>
   <p:defaultTextStyle>
     <a:defPPr>
@@ -141,15 +141,15 @@
         </p:nvSpPr>
         <p:spPr>
           <a:xfrm>
-            <a:off x="1512094" y="942577"/>
-            <a:ext cx="9072563" cy="2005142"/>
+            <a:off x="1512094" y="771884"/>
+            <a:ext cx="9072563" cy="1642028"/>
           </a:xfrm>
         </p:spPr>
         <p:txBody>
           <a:bodyPr anchor="b"/>
           <a:lstStyle>
             <a:lvl1pPr algn="ctr">
-              <a:defRPr sz="5039"/>
+              <a:defRPr sz="4126"/>
             </a:lvl1pPr>
           </a:lstStyle>
           <a:p>
@@ -173,8 +173,8 @@
         </p:nvSpPr>
         <p:spPr>
           <a:xfrm>
-            <a:off x="1512094" y="3025045"/>
-            <a:ext cx="9072563" cy="1390533"/>
+            <a:off x="1512094" y="2477235"/>
+            <a:ext cx="9072563" cy="1138720"/>
           </a:xfrm>
         </p:spPr>
         <p:txBody>
@@ -182,39 +182,39 @@
           <a:lstStyle>
             <a:lvl1pPr marL="0" indent="0" algn="ctr">
               <a:buNone/>
-              <a:defRPr sz="2016"/>
+              <a:defRPr sz="1650"/>
             </a:lvl1pPr>
-            <a:lvl2pPr marL="383957" indent="0" algn="ctr">
-              <a:buNone/>
-              <a:defRPr sz="1680"/>
+            <a:lvl2pPr marL="314416" indent="0" algn="ctr">
+              <a:buNone/>
+              <a:defRPr sz="1375"/>
             </a:lvl2pPr>
-            <a:lvl3pPr marL="767913" indent="0" algn="ctr">
-              <a:buNone/>
-              <a:defRPr sz="1512"/>
+            <a:lvl3pPr marL="628833" indent="0" algn="ctr">
+              <a:buNone/>
+              <a:defRPr sz="1238"/>
             </a:lvl3pPr>
-            <a:lvl4pPr marL="1151870" indent="0" algn="ctr">
-              <a:buNone/>
-              <a:defRPr sz="1344"/>
+            <a:lvl4pPr marL="943249" indent="0" algn="ctr">
+              <a:buNone/>
+              <a:defRPr sz="1100"/>
             </a:lvl4pPr>
-            <a:lvl5pPr marL="1535826" indent="0" algn="ctr">
-              <a:buNone/>
-              <a:defRPr sz="1344"/>
+            <a:lvl5pPr marL="1257666" indent="0" algn="ctr">
+              <a:buNone/>
+              <a:defRPr sz="1100"/>
             </a:lvl5pPr>
-            <a:lvl6pPr marL="1919783" indent="0" algn="ctr">
-              <a:buNone/>
-              <a:defRPr sz="1344"/>
+            <a:lvl6pPr marL="1572082" indent="0" algn="ctr">
+              <a:buNone/>
+              <a:defRPr sz="1100"/>
             </a:lvl6pPr>
-            <a:lvl7pPr marL="2303739" indent="0" algn="ctr">
-              <a:buNone/>
-              <a:defRPr sz="1344"/>
+            <a:lvl7pPr marL="1886499" indent="0" algn="ctr">
+              <a:buNone/>
+              <a:defRPr sz="1100"/>
             </a:lvl7pPr>
-            <a:lvl8pPr marL="2687696" indent="0" algn="ctr">
-              <a:buNone/>
-              <a:defRPr sz="1344"/>
+            <a:lvl8pPr marL="2200915" indent="0" algn="ctr">
+              <a:buNone/>
+              <a:defRPr sz="1100"/>
             </a:lvl8pPr>
-            <a:lvl9pPr marL="3071652" indent="0" algn="ctr">
-              <a:buNone/>
-              <a:defRPr sz="1344"/>
+            <a:lvl9pPr marL="2515332" indent="0" algn="ctr">
+              <a:buNone/>
+              <a:defRPr sz="1100"/>
             </a:lvl9pPr>
           </a:lstStyle>
           <a:p>
@@ -243,7 +243,7 @@
           <a:p>
             <a:fld id="{57FF0C53-773C-DD4A-B534-9879AE380A4C}" type="datetimeFigureOut">
               <a:rPr kumimoji="1" lang="zh-CN" altLang="en-US" smtClean="0"/>
-              <a:t>2022/10/29</a:t>
+              <a:t>2022/11/1</a:t>
             </a:fld>
             <a:endParaRPr kumimoji="1" lang="zh-CN" altLang="en-US"/>
           </a:p>
@@ -294,7 +294,7 @@
     </p:spTree>
     <p:extLst>
       <p:ext uri="{BB962C8B-B14F-4D97-AF65-F5344CB8AC3E}">
-        <p14:creationId xmlns:p14="http://schemas.microsoft.com/office/powerpoint/2010/main" val="2218795572"/>
+        <p14:creationId xmlns:p14="http://schemas.microsoft.com/office/powerpoint/2010/main" val="3239272060"/>
       </p:ext>
     </p:extLst>
   </p:cSld>
@@ -413,7 +413,7 @@
           <a:p>
             <a:fld id="{57FF0C53-773C-DD4A-B534-9879AE380A4C}" type="datetimeFigureOut">
               <a:rPr kumimoji="1" lang="zh-CN" altLang="en-US" smtClean="0"/>
-              <a:t>2022/10/29</a:t>
+              <a:t>2022/11/1</a:t>
             </a:fld>
             <a:endParaRPr kumimoji="1" lang="zh-CN" altLang="en-US"/>
           </a:p>
@@ -464,7 +464,7 @@
     </p:spTree>
     <p:extLst>
       <p:ext uri="{BB962C8B-B14F-4D97-AF65-F5344CB8AC3E}">
-        <p14:creationId xmlns:p14="http://schemas.microsoft.com/office/powerpoint/2010/main" val="2706901969"/>
+        <p14:creationId xmlns:p14="http://schemas.microsoft.com/office/powerpoint/2010/main" val="1938766365"/>
       </p:ext>
     </p:extLst>
   </p:cSld>
@@ -503,8 +503,8 @@
         </p:nvSpPr>
         <p:spPr>
           <a:xfrm>
-            <a:off x="8656737" y="306637"/>
-            <a:ext cx="2608362" cy="4880868"/>
+            <a:off x="8656737" y="251108"/>
+            <a:ext cx="2608362" cy="3996984"/>
           </a:xfrm>
         </p:spPr>
         <p:txBody>
@@ -531,8 +531,8 @@
         </p:nvSpPr>
         <p:spPr>
           <a:xfrm>
-            <a:off x="831651" y="306637"/>
-            <a:ext cx="7673876" cy="4880868"/>
+            <a:off x="831651" y="251108"/>
+            <a:ext cx="7673876" cy="3996984"/>
           </a:xfrm>
         </p:spPr>
         <p:txBody>
@@ -593,7 +593,7 @@
           <a:p>
             <a:fld id="{57FF0C53-773C-DD4A-B534-9879AE380A4C}" type="datetimeFigureOut">
               <a:rPr kumimoji="1" lang="zh-CN" altLang="en-US" smtClean="0"/>
-              <a:t>2022/10/29</a:t>
+              <a:t>2022/11/1</a:t>
             </a:fld>
             <a:endParaRPr kumimoji="1" lang="zh-CN" altLang="en-US"/>
           </a:p>
@@ -644,7 +644,7 @@
     </p:spTree>
     <p:extLst>
       <p:ext uri="{BB962C8B-B14F-4D97-AF65-F5344CB8AC3E}">
-        <p14:creationId xmlns:p14="http://schemas.microsoft.com/office/powerpoint/2010/main" val="3110378419"/>
+        <p14:creationId xmlns:p14="http://schemas.microsoft.com/office/powerpoint/2010/main" val="2579519450"/>
       </p:ext>
     </p:extLst>
   </p:cSld>
@@ -763,7 +763,7 @@
           <a:p>
             <a:fld id="{57FF0C53-773C-DD4A-B534-9879AE380A4C}" type="datetimeFigureOut">
               <a:rPr kumimoji="1" lang="zh-CN" altLang="en-US" smtClean="0"/>
-              <a:t>2022/10/29</a:t>
+              <a:t>2022/11/1</a:t>
             </a:fld>
             <a:endParaRPr kumimoji="1" lang="zh-CN" altLang="en-US"/>
           </a:p>
@@ -814,7 +814,7 @@
     </p:spTree>
     <p:extLst>
       <p:ext uri="{BB962C8B-B14F-4D97-AF65-F5344CB8AC3E}">
-        <p14:creationId xmlns:p14="http://schemas.microsoft.com/office/powerpoint/2010/main" val="2918287542"/>
+        <p14:creationId xmlns:p14="http://schemas.microsoft.com/office/powerpoint/2010/main" val="3372234542"/>
       </p:ext>
     </p:extLst>
   </p:cSld>
@@ -853,15 +853,15 @@
         </p:nvSpPr>
         <p:spPr>
           <a:xfrm>
-            <a:off x="825351" y="1435864"/>
-            <a:ext cx="10433447" cy="2395771"/>
+            <a:off x="825351" y="1175841"/>
+            <a:ext cx="10433447" cy="1961917"/>
           </a:xfrm>
         </p:spPr>
         <p:txBody>
           <a:bodyPr anchor="b"/>
           <a:lstStyle>
             <a:lvl1pPr>
-              <a:defRPr sz="5039"/>
+              <a:defRPr sz="4126"/>
             </a:lvl1pPr>
           </a:lstStyle>
           <a:p>
@@ -885,8 +885,8 @@
         </p:nvSpPr>
         <p:spPr>
           <a:xfrm>
-            <a:off x="825351" y="3854300"/>
-            <a:ext cx="10433447" cy="1259879"/>
+            <a:off x="825351" y="3156319"/>
+            <a:ext cx="10433447" cy="1031726"/>
           </a:xfrm>
         </p:spPr>
         <p:txBody>
@@ -894,7 +894,7 @@
           <a:lstStyle>
             <a:lvl1pPr marL="0" indent="0">
               <a:buNone/>
-              <a:defRPr sz="2016">
+              <a:defRPr sz="1650">
                 <a:solidFill>
                   <a:schemeClr val="tx1">
                     <a:tint val="75000"/>
@@ -902,9 +902,9 @@
                 </a:solidFill>
               </a:defRPr>
             </a:lvl1pPr>
-            <a:lvl2pPr marL="383957" indent="0">
-              <a:buNone/>
-              <a:defRPr sz="1680">
+            <a:lvl2pPr marL="314416" indent="0">
+              <a:buNone/>
+              <a:defRPr sz="1375">
                 <a:solidFill>
                   <a:schemeClr val="tx1">
                     <a:tint val="75000"/>
@@ -912,9 +912,9 @@
                 </a:solidFill>
               </a:defRPr>
             </a:lvl2pPr>
-            <a:lvl3pPr marL="767913" indent="0">
-              <a:buNone/>
-              <a:defRPr sz="1512">
+            <a:lvl3pPr marL="628833" indent="0">
+              <a:buNone/>
+              <a:defRPr sz="1238">
                 <a:solidFill>
                   <a:schemeClr val="tx1">
                     <a:tint val="75000"/>
@@ -922,9 +922,9 @@
                 </a:solidFill>
               </a:defRPr>
             </a:lvl3pPr>
-            <a:lvl4pPr marL="1151870" indent="0">
-              <a:buNone/>
-              <a:defRPr sz="1344">
+            <a:lvl4pPr marL="943249" indent="0">
+              <a:buNone/>
+              <a:defRPr sz="1100">
                 <a:solidFill>
                   <a:schemeClr val="tx1">
                     <a:tint val="75000"/>
@@ -932,9 +932,9 @@
                 </a:solidFill>
               </a:defRPr>
             </a:lvl4pPr>
-            <a:lvl5pPr marL="1535826" indent="0">
-              <a:buNone/>
-              <a:defRPr sz="1344">
+            <a:lvl5pPr marL="1257666" indent="0">
+              <a:buNone/>
+              <a:defRPr sz="1100">
                 <a:solidFill>
                   <a:schemeClr val="tx1">
                     <a:tint val="75000"/>
@@ -942,9 +942,9 @@
                 </a:solidFill>
               </a:defRPr>
             </a:lvl5pPr>
-            <a:lvl6pPr marL="1919783" indent="0">
-              <a:buNone/>
-              <a:defRPr sz="1344">
+            <a:lvl6pPr marL="1572082" indent="0">
+              <a:buNone/>
+              <a:defRPr sz="1100">
                 <a:solidFill>
                   <a:schemeClr val="tx1">
                     <a:tint val="75000"/>
@@ -952,9 +952,9 @@
                 </a:solidFill>
               </a:defRPr>
             </a:lvl6pPr>
-            <a:lvl7pPr marL="2303739" indent="0">
-              <a:buNone/>
-              <a:defRPr sz="1344">
+            <a:lvl7pPr marL="1886499" indent="0">
+              <a:buNone/>
+              <a:defRPr sz="1100">
                 <a:solidFill>
                   <a:schemeClr val="tx1">
                     <a:tint val="75000"/>
@@ -962,9 +962,9 @@
                 </a:solidFill>
               </a:defRPr>
             </a:lvl7pPr>
-            <a:lvl8pPr marL="2687696" indent="0">
-              <a:buNone/>
-              <a:defRPr sz="1344">
+            <a:lvl8pPr marL="2200915" indent="0">
+              <a:buNone/>
+              <a:defRPr sz="1100">
                 <a:solidFill>
                   <a:schemeClr val="tx1">
                     <a:tint val="75000"/>
@@ -972,9 +972,9 @@
                 </a:solidFill>
               </a:defRPr>
             </a:lvl8pPr>
-            <a:lvl9pPr marL="3071652" indent="0">
-              <a:buNone/>
-              <a:defRPr sz="1344">
+            <a:lvl9pPr marL="2515332" indent="0">
+              <a:buNone/>
+              <a:defRPr sz="1100">
                 <a:solidFill>
                   <a:schemeClr val="tx1">
                     <a:tint val="75000"/>
@@ -1009,7 +1009,7 @@
           <a:p>
             <a:fld id="{57FF0C53-773C-DD4A-B534-9879AE380A4C}" type="datetimeFigureOut">
               <a:rPr kumimoji="1" lang="zh-CN" altLang="en-US" smtClean="0"/>
-              <a:t>2022/10/29</a:t>
+              <a:t>2022/11/1</a:t>
             </a:fld>
             <a:endParaRPr kumimoji="1" lang="zh-CN" altLang="en-US"/>
           </a:p>
@@ -1060,7 +1060,7 @@
     </p:spTree>
     <p:extLst>
       <p:ext uri="{BB962C8B-B14F-4D97-AF65-F5344CB8AC3E}">
-        <p14:creationId xmlns:p14="http://schemas.microsoft.com/office/powerpoint/2010/main" val="1067255154"/>
+        <p14:creationId xmlns:p14="http://schemas.microsoft.com/office/powerpoint/2010/main" val="2349686100"/>
       </p:ext>
     </p:extLst>
   </p:cSld>
@@ -1122,8 +1122,8 @@
         </p:nvSpPr>
         <p:spPr>
           <a:xfrm>
-            <a:off x="831651" y="1533187"/>
-            <a:ext cx="5141119" cy="3654318"/>
+            <a:off x="831651" y="1255540"/>
+            <a:ext cx="5141119" cy="2992552"/>
           </a:xfrm>
         </p:spPr>
         <p:txBody>
@@ -1179,8 +1179,8 @@
         </p:nvSpPr>
         <p:spPr>
           <a:xfrm>
-            <a:off x="6123980" y="1533187"/>
-            <a:ext cx="5141119" cy="3654318"/>
+            <a:off x="6123980" y="1255540"/>
+            <a:ext cx="5141119" cy="2992552"/>
           </a:xfrm>
         </p:spPr>
         <p:txBody>
@@ -1241,7 +1241,7 @@
           <a:p>
             <a:fld id="{57FF0C53-773C-DD4A-B534-9879AE380A4C}" type="datetimeFigureOut">
               <a:rPr kumimoji="1" lang="zh-CN" altLang="en-US" smtClean="0"/>
-              <a:t>2022/10/29</a:t>
+              <a:t>2022/11/1</a:t>
             </a:fld>
             <a:endParaRPr kumimoji="1" lang="zh-CN" altLang="en-US"/>
           </a:p>
@@ -1292,7 +1292,7 @@
     </p:spTree>
     <p:extLst>
       <p:ext uri="{BB962C8B-B14F-4D97-AF65-F5344CB8AC3E}">
-        <p14:creationId xmlns:p14="http://schemas.microsoft.com/office/powerpoint/2010/main" val="312517101"/>
+        <p14:creationId xmlns:p14="http://schemas.microsoft.com/office/powerpoint/2010/main" val="1501841912"/>
       </p:ext>
     </p:extLst>
   </p:cSld>
@@ -1331,8 +1331,8 @@
         </p:nvSpPr>
         <p:spPr>
           <a:xfrm>
-            <a:off x="833227" y="306638"/>
-            <a:ext cx="10433447" cy="1113227"/>
+            <a:off x="833227" y="251108"/>
+            <a:ext cx="10433447" cy="911632"/>
           </a:xfrm>
         </p:spPr>
         <p:txBody>
@@ -1359,8 +1359,8 @@
         </p:nvSpPr>
         <p:spPr>
           <a:xfrm>
-            <a:off x="833228" y="1411865"/>
-            <a:ext cx="5117492" cy="691934"/>
+            <a:off x="833228" y="1156189"/>
+            <a:ext cx="5117492" cy="566630"/>
           </a:xfrm>
         </p:spPr>
         <p:txBody>
@@ -1368,39 +1368,39 @@
           <a:lstStyle>
             <a:lvl1pPr marL="0" indent="0">
               <a:buNone/>
-              <a:defRPr sz="2016" b="1"/>
+              <a:defRPr sz="1650" b="1"/>
             </a:lvl1pPr>
-            <a:lvl2pPr marL="383957" indent="0">
-              <a:buNone/>
-              <a:defRPr sz="1680" b="1"/>
+            <a:lvl2pPr marL="314416" indent="0">
+              <a:buNone/>
+              <a:defRPr sz="1375" b="1"/>
             </a:lvl2pPr>
-            <a:lvl3pPr marL="767913" indent="0">
-              <a:buNone/>
-              <a:defRPr sz="1512" b="1"/>
+            <a:lvl3pPr marL="628833" indent="0">
+              <a:buNone/>
+              <a:defRPr sz="1238" b="1"/>
             </a:lvl3pPr>
-            <a:lvl4pPr marL="1151870" indent="0">
-              <a:buNone/>
-              <a:defRPr sz="1344" b="1"/>
+            <a:lvl4pPr marL="943249" indent="0">
+              <a:buNone/>
+              <a:defRPr sz="1100" b="1"/>
             </a:lvl4pPr>
-            <a:lvl5pPr marL="1535826" indent="0">
-              <a:buNone/>
-              <a:defRPr sz="1344" b="1"/>
+            <a:lvl5pPr marL="1257666" indent="0">
+              <a:buNone/>
+              <a:defRPr sz="1100" b="1"/>
             </a:lvl5pPr>
-            <a:lvl6pPr marL="1919783" indent="0">
-              <a:buNone/>
-              <a:defRPr sz="1344" b="1"/>
+            <a:lvl6pPr marL="1572082" indent="0">
+              <a:buNone/>
+              <a:defRPr sz="1100" b="1"/>
             </a:lvl6pPr>
-            <a:lvl7pPr marL="2303739" indent="0">
-              <a:buNone/>
-              <a:defRPr sz="1344" b="1"/>
+            <a:lvl7pPr marL="1886499" indent="0">
+              <a:buNone/>
+              <a:defRPr sz="1100" b="1"/>
             </a:lvl7pPr>
-            <a:lvl8pPr marL="2687696" indent="0">
-              <a:buNone/>
-              <a:defRPr sz="1344" b="1"/>
+            <a:lvl8pPr marL="2200915" indent="0">
+              <a:buNone/>
+              <a:defRPr sz="1100" b="1"/>
             </a:lvl8pPr>
-            <a:lvl9pPr marL="3071652" indent="0">
-              <a:buNone/>
-              <a:defRPr sz="1344" b="1"/>
+            <a:lvl9pPr marL="2515332" indent="0">
+              <a:buNone/>
+              <a:defRPr sz="1100" b="1"/>
             </a:lvl9pPr>
           </a:lstStyle>
           <a:p>
@@ -1424,8 +1424,8 @@
         </p:nvSpPr>
         <p:spPr>
           <a:xfrm>
-            <a:off x="833228" y="2103799"/>
-            <a:ext cx="5117492" cy="3094372"/>
+            <a:off x="833228" y="1722819"/>
+            <a:ext cx="5117492" cy="2534007"/>
           </a:xfrm>
         </p:spPr>
         <p:txBody>
@@ -1481,8 +1481,8 @@
         </p:nvSpPr>
         <p:spPr>
           <a:xfrm>
-            <a:off x="6123980" y="1411865"/>
-            <a:ext cx="5142694" cy="691934"/>
+            <a:off x="6123980" y="1156189"/>
+            <a:ext cx="5142694" cy="566630"/>
           </a:xfrm>
         </p:spPr>
         <p:txBody>
@@ -1490,39 +1490,39 @@
           <a:lstStyle>
             <a:lvl1pPr marL="0" indent="0">
               <a:buNone/>
-              <a:defRPr sz="2016" b="1"/>
+              <a:defRPr sz="1650" b="1"/>
             </a:lvl1pPr>
-            <a:lvl2pPr marL="383957" indent="0">
-              <a:buNone/>
-              <a:defRPr sz="1680" b="1"/>
+            <a:lvl2pPr marL="314416" indent="0">
+              <a:buNone/>
+              <a:defRPr sz="1375" b="1"/>
             </a:lvl2pPr>
-            <a:lvl3pPr marL="767913" indent="0">
-              <a:buNone/>
-              <a:defRPr sz="1512" b="1"/>
+            <a:lvl3pPr marL="628833" indent="0">
+              <a:buNone/>
+              <a:defRPr sz="1238" b="1"/>
             </a:lvl3pPr>
-            <a:lvl4pPr marL="1151870" indent="0">
-              <a:buNone/>
-              <a:defRPr sz="1344" b="1"/>
+            <a:lvl4pPr marL="943249" indent="0">
+              <a:buNone/>
+              <a:defRPr sz="1100" b="1"/>
             </a:lvl4pPr>
-            <a:lvl5pPr marL="1535826" indent="0">
-              <a:buNone/>
-              <a:defRPr sz="1344" b="1"/>
+            <a:lvl5pPr marL="1257666" indent="0">
+              <a:buNone/>
+              <a:defRPr sz="1100" b="1"/>
             </a:lvl5pPr>
-            <a:lvl6pPr marL="1919783" indent="0">
-              <a:buNone/>
-              <a:defRPr sz="1344" b="1"/>
+            <a:lvl6pPr marL="1572082" indent="0">
+              <a:buNone/>
+              <a:defRPr sz="1100" b="1"/>
             </a:lvl6pPr>
-            <a:lvl7pPr marL="2303739" indent="0">
-              <a:buNone/>
-              <a:defRPr sz="1344" b="1"/>
+            <a:lvl7pPr marL="1886499" indent="0">
+              <a:buNone/>
+              <a:defRPr sz="1100" b="1"/>
             </a:lvl7pPr>
-            <a:lvl8pPr marL="2687696" indent="0">
-              <a:buNone/>
-              <a:defRPr sz="1344" b="1"/>
+            <a:lvl8pPr marL="2200915" indent="0">
+              <a:buNone/>
+              <a:defRPr sz="1100" b="1"/>
             </a:lvl8pPr>
-            <a:lvl9pPr marL="3071652" indent="0">
-              <a:buNone/>
-              <a:defRPr sz="1344" b="1"/>
+            <a:lvl9pPr marL="2515332" indent="0">
+              <a:buNone/>
+              <a:defRPr sz="1100" b="1"/>
             </a:lvl9pPr>
           </a:lstStyle>
           <a:p>
@@ -1546,8 +1546,8 @@
         </p:nvSpPr>
         <p:spPr>
           <a:xfrm>
-            <a:off x="6123980" y="2103799"/>
-            <a:ext cx="5142694" cy="3094372"/>
+            <a:off x="6123980" y="1722819"/>
+            <a:ext cx="5142694" cy="2534007"/>
           </a:xfrm>
         </p:spPr>
         <p:txBody>
@@ -1608,7 +1608,7 @@
           <a:p>
             <a:fld id="{57FF0C53-773C-DD4A-B534-9879AE380A4C}" type="datetimeFigureOut">
               <a:rPr kumimoji="1" lang="zh-CN" altLang="en-US" smtClean="0"/>
-              <a:t>2022/10/29</a:t>
+              <a:t>2022/11/1</a:t>
             </a:fld>
             <a:endParaRPr kumimoji="1" lang="zh-CN" altLang="en-US"/>
           </a:p>
@@ -1659,7 +1659,7 @@
     </p:spTree>
     <p:extLst>
       <p:ext uri="{BB962C8B-B14F-4D97-AF65-F5344CB8AC3E}">
-        <p14:creationId xmlns:p14="http://schemas.microsoft.com/office/powerpoint/2010/main" val="128578"/>
+        <p14:creationId xmlns:p14="http://schemas.microsoft.com/office/powerpoint/2010/main" val="19631184"/>
       </p:ext>
     </p:extLst>
   </p:cSld>
@@ -1726,7 +1726,7 @@
           <a:p>
             <a:fld id="{57FF0C53-773C-DD4A-B534-9879AE380A4C}" type="datetimeFigureOut">
               <a:rPr kumimoji="1" lang="zh-CN" altLang="en-US" smtClean="0"/>
-              <a:t>2022/10/29</a:t>
+              <a:t>2022/11/1</a:t>
             </a:fld>
             <a:endParaRPr kumimoji="1" lang="zh-CN" altLang="en-US"/>
           </a:p>
@@ -1777,7 +1777,7 @@
     </p:spTree>
     <p:extLst>
       <p:ext uri="{BB962C8B-B14F-4D97-AF65-F5344CB8AC3E}">
-        <p14:creationId xmlns:p14="http://schemas.microsoft.com/office/powerpoint/2010/main" val="944716083"/>
+        <p14:creationId xmlns:p14="http://schemas.microsoft.com/office/powerpoint/2010/main" val="264293346"/>
       </p:ext>
     </p:extLst>
   </p:cSld>
@@ -1821,7 +1821,7 @@
           <a:p>
             <a:fld id="{57FF0C53-773C-DD4A-B534-9879AE380A4C}" type="datetimeFigureOut">
               <a:rPr kumimoji="1" lang="zh-CN" altLang="en-US" smtClean="0"/>
-              <a:t>2022/10/29</a:t>
+              <a:t>2022/11/1</a:t>
             </a:fld>
             <a:endParaRPr kumimoji="1" lang="zh-CN" altLang="en-US"/>
           </a:p>
@@ -1872,7 +1872,7 @@
     </p:spTree>
     <p:extLst>
       <p:ext uri="{BB962C8B-B14F-4D97-AF65-F5344CB8AC3E}">
-        <p14:creationId xmlns:p14="http://schemas.microsoft.com/office/powerpoint/2010/main" val="3198618533"/>
+        <p14:creationId xmlns:p14="http://schemas.microsoft.com/office/powerpoint/2010/main" val="1411255272"/>
       </p:ext>
     </p:extLst>
   </p:cSld>
@@ -1911,15 +1911,15 @@
         </p:nvSpPr>
         <p:spPr>
           <a:xfrm>
-            <a:off x="833228" y="383963"/>
-            <a:ext cx="3901516" cy="1343872"/>
+            <a:off x="833228" y="314431"/>
+            <a:ext cx="3901516" cy="1100508"/>
           </a:xfrm>
         </p:spPr>
         <p:txBody>
           <a:bodyPr anchor="b"/>
           <a:lstStyle>
             <a:lvl1pPr>
-              <a:defRPr sz="2687"/>
+              <a:defRPr sz="2201"/>
             </a:lvl1pPr>
           </a:lstStyle>
           <a:p>
@@ -1943,39 +1943,39 @@
         </p:nvSpPr>
         <p:spPr>
           <a:xfrm>
-            <a:off x="5142694" y="829255"/>
-            <a:ext cx="6123980" cy="4092942"/>
+            <a:off x="5142694" y="679084"/>
+            <a:ext cx="6123980" cy="3351746"/>
           </a:xfrm>
         </p:spPr>
         <p:txBody>
           <a:bodyPr/>
           <a:lstStyle>
             <a:lvl1pPr>
-              <a:defRPr sz="2687"/>
+              <a:defRPr sz="2201"/>
             </a:lvl1pPr>
             <a:lvl2pPr>
-              <a:defRPr sz="2351"/>
+              <a:defRPr sz="1926"/>
             </a:lvl2pPr>
             <a:lvl3pPr>
-              <a:defRPr sz="2016"/>
+              <a:defRPr sz="1650"/>
             </a:lvl3pPr>
             <a:lvl4pPr>
-              <a:defRPr sz="1680"/>
+              <a:defRPr sz="1375"/>
             </a:lvl4pPr>
             <a:lvl5pPr>
-              <a:defRPr sz="1680"/>
+              <a:defRPr sz="1375"/>
             </a:lvl5pPr>
             <a:lvl6pPr>
-              <a:defRPr sz="1680"/>
+              <a:defRPr sz="1375"/>
             </a:lvl6pPr>
             <a:lvl7pPr>
-              <a:defRPr sz="1680"/>
+              <a:defRPr sz="1375"/>
             </a:lvl7pPr>
             <a:lvl8pPr>
-              <a:defRPr sz="1680"/>
+              <a:defRPr sz="1375"/>
             </a:lvl8pPr>
             <a:lvl9pPr>
-              <a:defRPr sz="1680"/>
+              <a:defRPr sz="1375"/>
             </a:lvl9pPr>
           </a:lstStyle>
           <a:p>
@@ -2028,8 +2028,8 @@
         </p:nvSpPr>
         <p:spPr>
           <a:xfrm>
-            <a:off x="833228" y="1727835"/>
-            <a:ext cx="3901516" cy="3201028"/>
+            <a:off x="833228" y="1414939"/>
+            <a:ext cx="3901516" cy="2621349"/>
           </a:xfrm>
         </p:spPr>
         <p:txBody>
@@ -2037,39 +2037,39 @@
           <a:lstStyle>
             <a:lvl1pPr marL="0" indent="0">
               <a:buNone/>
-              <a:defRPr sz="1344"/>
+              <a:defRPr sz="1100"/>
             </a:lvl1pPr>
-            <a:lvl2pPr marL="383957" indent="0">
-              <a:buNone/>
-              <a:defRPr sz="1176"/>
+            <a:lvl2pPr marL="314416" indent="0">
+              <a:buNone/>
+              <a:defRPr sz="963"/>
             </a:lvl2pPr>
-            <a:lvl3pPr marL="767913" indent="0">
-              <a:buNone/>
-              <a:defRPr sz="1008"/>
+            <a:lvl3pPr marL="628833" indent="0">
+              <a:buNone/>
+              <a:defRPr sz="825"/>
             </a:lvl3pPr>
-            <a:lvl4pPr marL="1151870" indent="0">
-              <a:buNone/>
-              <a:defRPr sz="840"/>
+            <a:lvl4pPr marL="943249" indent="0">
+              <a:buNone/>
+              <a:defRPr sz="688"/>
             </a:lvl4pPr>
-            <a:lvl5pPr marL="1535826" indent="0">
-              <a:buNone/>
-              <a:defRPr sz="840"/>
+            <a:lvl5pPr marL="1257666" indent="0">
+              <a:buNone/>
+              <a:defRPr sz="688"/>
             </a:lvl5pPr>
-            <a:lvl6pPr marL="1919783" indent="0">
-              <a:buNone/>
-              <a:defRPr sz="840"/>
+            <a:lvl6pPr marL="1572082" indent="0">
+              <a:buNone/>
+              <a:defRPr sz="688"/>
             </a:lvl6pPr>
-            <a:lvl7pPr marL="2303739" indent="0">
-              <a:buNone/>
-              <a:defRPr sz="840"/>
+            <a:lvl7pPr marL="1886499" indent="0">
+              <a:buNone/>
+              <a:defRPr sz="688"/>
             </a:lvl7pPr>
-            <a:lvl8pPr marL="2687696" indent="0">
-              <a:buNone/>
-              <a:defRPr sz="840"/>
+            <a:lvl8pPr marL="2200915" indent="0">
+              <a:buNone/>
+              <a:defRPr sz="688"/>
             </a:lvl8pPr>
-            <a:lvl9pPr marL="3071652" indent="0">
-              <a:buNone/>
-              <a:defRPr sz="840"/>
+            <a:lvl9pPr marL="2515332" indent="0">
+              <a:buNone/>
+              <a:defRPr sz="688"/>
             </a:lvl9pPr>
           </a:lstStyle>
           <a:p>
@@ -2098,7 +2098,7 @@
           <a:p>
             <a:fld id="{57FF0C53-773C-DD4A-B534-9879AE380A4C}" type="datetimeFigureOut">
               <a:rPr kumimoji="1" lang="zh-CN" altLang="en-US" smtClean="0"/>
-              <a:t>2022/10/29</a:t>
+              <a:t>2022/11/1</a:t>
             </a:fld>
             <a:endParaRPr kumimoji="1" lang="zh-CN" altLang="en-US"/>
           </a:p>
@@ -2149,7 +2149,7 @@
     </p:spTree>
     <p:extLst>
       <p:ext uri="{BB962C8B-B14F-4D97-AF65-F5344CB8AC3E}">
-        <p14:creationId xmlns:p14="http://schemas.microsoft.com/office/powerpoint/2010/main" val="989916510"/>
+        <p14:creationId xmlns:p14="http://schemas.microsoft.com/office/powerpoint/2010/main" val="4208158704"/>
       </p:ext>
     </p:extLst>
   </p:cSld>
@@ -2188,15 +2188,15 @@
         </p:nvSpPr>
         <p:spPr>
           <a:xfrm>
-            <a:off x="833228" y="383963"/>
-            <a:ext cx="3901516" cy="1343872"/>
+            <a:off x="833228" y="314431"/>
+            <a:ext cx="3901516" cy="1100508"/>
           </a:xfrm>
         </p:spPr>
         <p:txBody>
           <a:bodyPr anchor="b"/>
           <a:lstStyle>
             <a:lvl1pPr>
-              <a:defRPr sz="2687"/>
+              <a:defRPr sz="2201"/>
             </a:lvl1pPr>
           </a:lstStyle>
           <a:p>
@@ -2220,8 +2220,8 @@
         </p:nvSpPr>
         <p:spPr>
           <a:xfrm>
-            <a:off x="5142694" y="829255"/>
-            <a:ext cx="6123980" cy="4092942"/>
+            <a:off x="5142694" y="679084"/>
+            <a:ext cx="6123980" cy="3351746"/>
           </a:xfrm>
         </p:spPr>
         <p:txBody>
@@ -2229,39 +2229,39 @@
           <a:lstStyle>
             <a:lvl1pPr marL="0" indent="0">
               <a:buNone/>
-              <a:defRPr sz="2687"/>
+              <a:defRPr sz="2201"/>
             </a:lvl1pPr>
-            <a:lvl2pPr marL="383957" indent="0">
-              <a:buNone/>
-              <a:defRPr sz="2351"/>
+            <a:lvl2pPr marL="314416" indent="0">
+              <a:buNone/>
+              <a:defRPr sz="1926"/>
             </a:lvl2pPr>
-            <a:lvl3pPr marL="767913" indent="0">
-              <a:buNone/>
-              <a:defRPr sz="2016"/>
+            <a:lvl3pPr marL="628833" indent="0">
+              <a:buNone/>
+              <a:defRPr sz="1650"/>
             </a:lvl3pPr>
-            <a:lvl4pPr marL="1151870" indent="0">
-              <a:buNone/>
-              <a:defRPr sz="1680"/>
+            <a:lvl4pPr marL="943249" indent="0">
+              <a:buNone/>
+              <a:defRPr sz="1375"/>
             </a:lvl4pPr>
-            <a:lvl5pPr marL="1535826" indent="0">
-              <a:buNone/>
-              <a:defRPr sz="1680"/>
+            <a:lvl5pPr marL="1257666" indent="0">
+              <a:buNone/>
+              <a:defRPr sz="1375"/>
             </a:lvl5pPr>
-            <a:lvl6pPr marL="1919783" indent="0">
-              <a:buNone/>
-              <a:defRPr sz="1680"/>
+            <a:lvl6pPr marL="1572082" indent="0">
+              <a:buNone/>
+              <a:defRPr sz="1375"/>
             </a:lvl6pPr>
-            <a:lvl7pPr marL="2303739" indent="0">
-              <a:buNone/>
-              <a:defRPr sz="1680"/>
+            <a:lvl7pPr marL="1886499" indent="0">
+              <a:buNone/>
+              <a:defRPr sz="1375"/>
             </a:lvl7pPr>
-            <a:lvl8pPr marL="2687696" indent="0">
-              <a:buNone/>
-              <a:defRPr sz="1680"/>
+            <a:lvl8pPr marL="2200915" indent="0">
+              <a:buNone/>
+              <a:defRPr sz="1375"/>
             </a:lvl8pPr>
-            <a:lvl9pPr marL="3071652" indent="0">
-              <a:buNone/>
-              <a:defRPr sz="1680"/>
+            <a:lvl9pPr marL="2515332" indent="0">
+              <a:buNone/>
+              <a:defRPr sz="1375"/>
             </a:lvl9pPr>
           </a:lstStyle>
           <a:p>
@@ -2285,8 +2285,8 @@
         </p:nvSpPr>
         <p:spPr>
           <a:xfrm>
-            <a:off x="833228" y="1727835"/>
-            <a:ext cx="3901516" cy="3201028"/>
+            <a:off x="833228" y="1414939"/>
+            <a:ext cx="3901516" cy="2621349"/>
           </a:xfrm>
         </p:spPr>
         <p:txBody>
@@ -2294,39 +2294,39 @@
           <a:lstStyle>
             <a:lvl1pPr marL="0" indent="0">
               <a:buNone/>
-              <a:defRPr sz="1344"/>
+              <a:defRPr sz="1100"/>
             </a:lvl1pPr>
-            <a:lvl2pPr marL="383957" indent="0">
-              <a:buNone/>
-              <a:defRPr sz="1176"/>
+            <a:lvl2pPr marL="314416" indent="0">
+              <a:buNone/>
+              <a:defRPr sz="963"/>
             </a:lvl2pPr>
-            <a:lvl3pPr marL="767913" indent="0">
-              <a:buNone/>
-              <a:defRPr sz="1008"/>
+            <a:lvl3pPr marL="628833" indent="0">
+              <a:buNone/>
+              <a:defRPr sz="825"/>
             </a:lvl3pPr>
-            <a:lvl4pPr marL="1151870" indent="0">
-              <a:buNone/>
-              <a:defRPr sz="840"/>
+            <a:lvl4pPr marL="943249" indent="0">
+              <a:buNone/>
+              <a:defRPr sz="688"/>
             </a:lvl4pPr>
-            <a:lvl5pPr marL="1535826" indent="0">
-              <a:buNone/>
-              <a:defRPr sz="840"/>
+            <a:lvl5pPr marL="1257666" indent="0">
+              <a:buNone/>
+              <a:defRPr sz="688"/>
             </a:lvl5pPr>
-            <a:lvl6pPr marL="1919783" indent="0">
-              <a:buNone/>
-              <a:defRPr sz="840"/>
+            <a:lvl6pPr marL="1572082" indent="0">
+              <a:buNone/>
+              <a:defRPr sz="688"/>
             </a:lvl6pPr>
-            <a:lvl7pPr marL="2303739" indent="0">
-              <a:buNone/>
-              <a:defRPr sz="840"/>
+            <a:lvl7pPr marL="1886499" indent="0">
+              <a:buNone/>
+              <a:defRPr sz="688"/>
             </a:lvl7pPr>
-            <a:lvl8pPr marL="2687696" indent="0">
-              <a:buNone/>
-              <a:defRPr sz="840"/>
+            <a:lvl8pPr marL="2200915" indent="0">
+              <a:buNone/>
+              <a:defRPr sz="688"/>
             </a:lvl8pPr>
-            <a:lvl9pPr marL="3071652" indent="0">
-              <a:buNone/>
-              <a:defRPr sz="840"/>
+            <a:lvl9pPr marL="2515332" indent="0">
+              <a:buNone/>
+              <a:defRPr sz="688"/>
             </a:lvl9pPr>
           </a:lstStyle>
           <a:p>
@@ -2355,7 +2355,7 @@
           <a:p>
             <a:fld id="{57FF0C53-773C-DD4A-B534-9879AE380A4C}" type="datetimeFigureOut">
               <a:rPr kumimoji="1" lang="zh-CN" altLang="en-US" smtClean="0"/>
-              <a:t>2022/10/29</a:t>
+              <a:t>2022/11/1</a:t>
             </a:fld>
             <a:endParaRPr kumimoji="1" lang="zh-CN" altLang="en-US"/>
           </a:p>
@@ -2406,7 +2406,7 @@
     </p:spTree>
     <p:extLst>
       <p:ext uri="{BB962C8B-B14F-4D97-AF65-F5344CB8AC3E}">
-        <p14:creationId xmlns:p14="http://schemas.microsoft.com/office/powerpoint/2010/main" val="591825415"/>
+        <p14:creationId xmlns:p14="http://schemas.microsoft.com/office/powerpoint/2010/main" val="4248188588"/>
       </p:ext>
     </p:extLst>
   </p:cSld>
@@ -2450,8 +2450,8 @@
         </p:nvSpPr>
         <p:spPr>
           <a:xfrm>
-            <a:off x="831652" y="306638"/>
-            <a:ext cx="10433447" cy="1113227"/>
+            <a:off x="831652" y="251108"/>
+            <a:ext cx="10433447" cy="911632"/>
           </a:xfrm>
           <a:prstGeom prst="rect">
             <a:avLst/>
@@ -2483,8 +2483,8 @@
         </p:nvSpPr>
         <p:spPr>
           <a:xfrm>
-            <a:off x="831652" y="1533187"/>
-            <a:ext cx="10433447" cy="3654318"/>
+            <a:off x="831652" y="1255540"/>
+            <a:ext cx="10433447" cy="2992552"/>
           </a:xfrm>
           <a:prstGeom prst="rect">
             <a:avLst/>
@@ -2545,8 +2545,8 @@
         </p:nvSpPr>
         <p:spPr>
           <a:xfrm>
-            <a:off x="831651" y="5338158"/>
-            <a:ext cx="2721769" cy="306637"/>
+            <a:off x="831651" y="4371463"/>
+            <a:ext cx="2721769" cy="251108"/>
           </a:xfrm>
           <a:prstGeom prst="rect">
             <a:avLst/>
@@ -2556,7 +2556,7 @@
           <a:bodyPr vert="horz" lIns="91440" tIns="45720" rIns="91440" bIns="45720" rtlCol="0" anchor="ctr"/>
           <a:lstStyle>
             <a:lvl1pPr algn="l">
-              <a:defRPr sz="1008">
+              <a:defRPr sz="825">
                 <a:solidFill>
                   <a:schemeClr val="tx1">
                     <a:tint val="75000"/>
@@ -2568,7 +2568,7 @@
           <a:p>
             <a:fld id="{57FF0C53-773C-DD4A-B534-9879AE380A4C}" type="datetimeFigureOut">
               <a:rPr kumimoji="1" lang="zh-CN" altLang="en-US" smtClean="0"/>
-              <a:t>2022/10/29</a:t>
+              <a:t>2022/11/1</a:t>
             </a:fld>
             <a:endParaRPr kumimoji="1" lang="zh-CN" altLang="en-US"/>
           </a:p>
@@ -2586,8 +2586,8 @@
         </p:nvSpPr>
         <p:spPr>
           <a:xfrm>
-            <a:off x="4007049" y="5338158"/>
-            <a:ext cx="4082653" cy="306637"/>
+            <a:off x="4007049" y="4371463"/>
+            <a:ext cx="4082653" cy="251108"/>
           </a:xfrm>
           <a:prstGeom prst="rect">
             <a:avLst/>
@@ -2597,7 +2597,7 @@
           <a:bodyPr vert="horz" lIns="91440" tIns="45720" rIns="91440" bIns="45720" rtlCol="0" anchor="ctr"/>
           <a:lstStyle>
             <a:lvl1pPr algn="ctr">
-              <a:defRPr sz="1008">
+              <a:defRPr sz="825">
                 <a:solidFill>
                   <a:schemeClr val="tx1">
                     <a:tint val="75000"/>
@@ -2623,8 +2623,8 @@
         </p:nvSpPr>
         <p:spPr>
           <a:xfrm>
-            <a:off x="8543330" y="5338158"/>
-            <a:ext cx="2721769" cy="306637"/>
+            <a:off x="8543330" y="4371463"/>
+            <a:ext cx="2721769" cy="251108"/>
           </a:xfrm>
           <a:prstGeom prst="rect">
             <a:avLst/>
@@ -2634,7 +2634,7 @@
           <a:bodyPr vert="horz" lIns="91440" tIns="45720" rIns="91440" bIns="45720" rtlCol="0" anchor="ctr"/>
           <a:lstStyle>
             <a:lvl1pPr algn="r">
-              <a:defRPr sz="1008">
+              <a:defRPr sz="825">
                 <a:solidFill>
                   <a:schemeClr val="tx1">
                     <a:tint val="75000"/>
@@ -2655,27 +2655,27 @@
     </p:spTree>
     <p:extLst>
       <p:ext uri="{BB962C8B-B14F-4D97-AF65-F5344CB8AC3E}">
-        <p14:creationId xmlns:p14="http://schemas.microsoft.com/office/powerpoint/2010/main" val="4184261848"/>
+        <p14:creationId xmlns:p14="http://schemas.microsoft.com/office/powerpoint/2010/main" val="2643485620"/>
       </p:ext>
     </p:extLst>
   </p:cSld>
   <p:clrMap bg1="lt1" tx1="dk1" bg2="lt2" tx2="dk2" accent1="accent1" accent2="accent2" accent3="accent3" accent4="accent4" accent5="accent5" accent6="accent6" hlink="hlink" folHlink="folHlink"/>
   <p:sldLayoutIdLst>
-    <p:sldLayoutId id="2147483793" r:id="rId1"/>
-    <p:sldLayoutId id="2147483794" r:id="rId2"/>
-    <p:sldLayoutId id="2147483795" r:id="rId3"/>
-    <p:sldLayoutId id="2147483796" r:id="rId4"/>
-    <p:sldLayoutId id="2147483797" r:id="rId5"/>
-    <p:sldLayoutId id="2147483798" r:id="rId6"/>
-    <p:sldLayoutId id="2147483799" r:id="rId7"/>
-    <p:sldLayoutId id="2147483800" r:id="rId8"/>
-    <p:sldLayoutId id="2147483801" r:id="rId9"/>
-    <p:sldLayoutId id="2147483802" r:id="rId10"/>
-    <p:sldLayoutId id="2147483803" r:id="rId11"/>
+    <p:sldLayoutId id="2147483865" r:id="rId1"/>
+    <p:sldLayoutId id="2147483866" r:id="rId2"/>
+    <p:sldLayoutId id="2147483867" r:id="rId3"/>
+    <p:sldLayoutId id="2147483868" r:id="rId4"/>
+    <p:sldLayoutId id="2147483869" r:id="rId5"/>
+    <p:sldLayoutId id="2147483870" r:id="rId6"/>
+    <p:sldLayoutId id="2147483871" r:id="rId7"/>
+    <p:sldLayoutId id="2147483872" r:id="rId8"/>
+    <p:sldLayoutId id="2147483873" r:id="rId9"/>
+    <p:sldLayoutId id="2147483874" r:id="rId10"/>
+    <p:sldLayoutId id="2147483875" r:id="rId11"/>
   </p:sldLayoutIdLst>
   <p:txStyles>
     <p:titleStyle>
-      <a:lvl1pPr algn="l" defTabSz="767913" rtl="0" eaLnBrk="1" latinLnBrk="0" hangingPunct="1">
+      <a:lvl1pPr algn="l" defTabSz="628833" rtl="0" eaLnBrk="1" latinLnBrk="0" hangingPunct="1">
         <a:lnSpc>
           <a:spcPct val="90000"/>
         </a:lnSpc>
@@ -2683,7 +2683,7 @@
           <a:spcPct val="0"/>
         </a:spcBef>
         <a:buNone/>
-        <a:defRPr sz="3695" kern="1200">
+        <a:defRPr sz="3026" kern="1200">
           <a:solidFill>
             <a:schemeClr val="tx1"/>
           </a:solidFill>
@@ -2694,16 +2694,16 @@
       </a:lvl1pPr>
     </p:titleStyle>
     <p:bodyStyle>
-      <a:lvl1pPr marL="191978" indent="-191978" algn="l" defTabSz="767913" rtl="0" eaLnBrk="1" latinLnBrk="0" hangingPunct="1">
+      <a:lvl1pPr marL="157208" indent="-157208" algn="l" defTabSz="628833" rtl="0" eaLnBrk="1" latinLnBrk="0" hangingPunct="1">
         <a:lnSpc>
           <a:spcPct val="90000"/>
         </a:lnSpc>
         <a:spcBef>
-          <a:spcPts val="840"/>
+          <a:spcPts val="688"/>
         </a:spcBef>
         <a:buFont typeface="Arial" panose="020B0604020202020204" pitchFamily="34" charset="0"/>
         <a:buChar char="•"/>
-        <a:defRPr sz="2351" kern="1200">
+        <a:defRPr sz="1926" kern="1200">
           <a:solidFill>
             <a:schemeClr val="tx1"/>
           </a:solidFill>
@@ -2712,16 +2712,16 @@
           <a:cs typeface="+mn-cs"/>
         </a:defRPr>
       </a:lvl1pPr>
-      <a:lvl2pPr marL="575935" indent="-191978" algn="l" defTabSz="767913" rtl="0" eaLnBrk="1" latinLnBrk="0" hangingPunct="1">
+      <a:lvl2pPr marL="471625" indent="-157208" algn="l" defTabSz="628833" rtl="0" eaLnBrk="1" latinLnBrk="0" hangingPunct="1">
         <a:lnSpc>
           <a:spcPct val="90000"/>
         </a:lnSpc>
         <a:spcBef>
-          <a:spcPts val="420"/>
+          <a:spcPts val="344"/>
         </a:spcBef>
         <a:buFont typeface="Arial" panose="020B0604020202020204" pitchFamily="34" charset="0"/>
         <a:buChar char="•"/>
-        <a:defRPr sz="2016" kern="1200">
+        <a:defRPr sz="1650" kern="1200">
           <a:solidFill>
             <a:schemeClr val="tx1"/>
           </a:solidFill>
@@ -2730,16 +2730,16 @@
           <a:cs typeface="+mn-cs"/>
         </a:defRPr>
       </a:lvl2pPr>
-      <a:lvl3pPr marL="959891" indent="-191978" algn="l" defTabSz="767913" rtl="0" eaLnBrk="1" latinLnBrk="0" hangingPunct="1">
+      <a:lvl3pPr marL="786041" indent="-157208" algn="l" defTabSz="628833" rtl="0" eaLnBrk="1" latinLnBrk="0" hangingPunct="1">
         <a:lnSpc>
           <a:spcPct val="90000"/>
         </a:lnSpc>
         <a:spcBef>
-          <a:spcPts val="420"/>
+          <a:spcPts val="344"/>
         </a:spcBef>
         <a:buFont typeface="Arial" panose="020B0604020202020204" pitchFamily="34" charset="0"/>
         <a:buChar char="•"/>
-        <a:defRPr sz="1680" kern="1200">
+        <a:defRPr sz="1375" kern="1200">
           <a:solidFill>
             <a:schemeClr val="tx1"/>
           </a:solidFill>
@@ -2748,16 +2748,16 @@
           <a:cs typeface="+mn-cs"/>
         </a:defRPr>
       </a:lvl3pPr>
-      <a:lvl4pPr marL="1343848" indent="-191978" algn="l" defTabSz="767913" rtl="0" eaLnBrk="1" latinLnBrk="0" hangingPunct="1">
+      <a:lvl4pPr marL="1100458" indent="-157208" algn="l" defTabSz="628833" rtl="0" eaLnBrk="1" latinLnBrk="0" hangingPunct="1">
         <a:lnSpc>
           <a:spcPct val="90000"/>
         </a:lnSpc>
         <a:spcBef>
-          <a:spcPts val="420"/>
+          <a:spcPts val="344"/>
         </a:spcBef>
         <a:buFont typeface="Arial" panose="020B0604020202020204" pitchFamily="34" charset="0"/>
         <a:buChar char="•"/>
-        <a:defRPr sz="1512" kern="1200">
+        <a:defRPr sz="1238" kern="1200">
           <a:solidFill>
             <a:schemeClr val="tx1"/>
           </a:solidFill>
@@ -2766,16 +2766,16 @@
           <a:cs typeface="+mn-cs"/>
         </a:defRPr>
       </a:lvl4pPr>
-      <a:lvl5pPr marL="1727805" indent="-191978" algn="l" defTabSz="767913" rtl="0" eaLnBrk="1" latinLnBrk="0" hangingPunct="1">
+      <a:lvl5pPr marL="1414874" indent="-157208" algn="l" defTabSz="628833" rtl="0" eaLnBrk="1" latinLnBrk="0" hangingPunct="1">
         <a:lnSpc>
           <a:spcPct val="90000"/>
         </a:lnSpc>
         <a:spcBef>
-          <a:spcPts val="420"/>
+          <a:spcPts val="344"/>
         </a:spcBef>
         <a:buFont typeface="Arial" panose="020B0604020202020204" pitchFamily="34" charset="0"/>
         <a:buChar char="•"/>
-        <a:defRPr sz="1512" kern="1200">
+        <a:defRPr sz="1238" kern="1200">
           <a:solidFill>
             <a:schemeClr val="tx1"/>
           </a:solidFill>
@@ -2784,16 +2784,16 @@
           <a:cs typeface="+mn-cs"/>
         </a:defRPr>
       </a:lvl5pPr>
-      <a:lvl6pPr marL="2111761" indent="-191978" algn="l" defTabSz="767913" rtl="0" eaLnBrk="1" latinLnBrk="0" hangingPunct="1">
+      <a:lvl6pPr marL="1729290" indent="-157208" algn="l" defTabSz="628833" rtl="0" eaLnBrk="1" latinLnBrk="0" hangingPunct="1">
         <a:lnSpc>
           <a:spcPct val="90000"/>
         </a:lnSpc>
         <a:spcBef>
-          <a:spcPts val="420"/>
+          <a:spcPts val="344"/>
         </a:spcBef>
         <a:buFont typeface="Arial" panose="020B0604020202020204" pitchFamily="34" charset="0"/>
         <a:buChar char="•"/>
-        <a:defRPr sz="1512" kern="1200">
+        <a:defRPr sz="1238" kern="1200">
           <a:solidFill>
             <a:schemeClr val="tx1"/>
           </a:solidFill>
@@ -2802,16 +2802,16 @@
           <a:cs typeface="+mn-cs"/>
         </a:defRPr>
       </a:lvl6pPr>
-      <a:lvl7pPr marL="2495718" indent="-191978" algn="l" defTabSz="767913" rtl="0" eaLnBrk="1" latinLnBrk="0" hangingPunct="1">
+      <a:lvl7pPr marL="2043707" indent="-157208" algn="l" defTabSz="628833" rtl="0" eaLnBrk="1" latinLnBrk="0" hangingPunct="1">
         <a:lnSpc>
           <a:spcPct val="90000"/>
         </a:lnSpc>
         <a:spcBef>
-          <a:spcPts val="420"/>
+          <a:spcPts val="344"/>
         </a:spcBef>
         <a:buFont typeface="Arial" panose="020B0604020202020204" pitchFamily="34" charset="0"/>
         <a:buChar char="•"/>
-        <a:defRPr sz="1512" kern="1200">
+        <a:defRPr sz="1238" kern="1200">
           <a:solidFill>
             <a:schemeClr val="tx1"/>
           </a:solidFill>
@@ -2820,16 +2820,16 @@
           <a:cs typeface="+mn-cs"/>
         </a:defRPr>
       </a:lvl7pPr>
-      <a:lvl8pPr marL="2879674" indent="-191978" algn="l" defTabSz="767913" rtl="0" eaLnBrk="1" latinLnBrk="0" hangingPunct="1">
+      <a:lvl8pPr marL="2358123" indent="-157208" algn="l" defTabSz="628833" rtl="0" eaLnBrk="1" latinLnBrk="0" hangingPunct="1">
         <a:lnSpc>
           <a:spcPct val="90000"/>
         </a:lnSpc>
         <a:spcBef>
-          <a:spcPts val="420"/>
+          <a:spcPts val="344"/>
         </a:spcBef>
         <a:buFont typeface="Arial" panose="020B0604020202020204" pitchFamily="34" charset="0"/>
         <a:buChar char="•"/>
-        <a:defRPr sz="1512" kern="1200">
+        <a:defRPr sz="1238" kern="1200">
           <a:solidFill>
             <a:schemeClr val="tx1"/>
           </a:solidFill>
@@ -2838,16 +2838,16 @@
           <a:cs typeface="+mn-cs"/>
         </a:defRPr>
       </a:lvl8pPr>
-      <a:lvl9pPr marL="3263631" indent="-191978" algn="l" defTabSz="767913" rtl="0" eaLnBrk="1" latinLnBrk="0" hangingPunct="1">
+      <a:lvl9pPr marL="2672540" indent="-157208" algn="l" defTabSz="628833" rtl="0" eaLnBrk="1" latinLnBrk="0" hangingPunct="1">
         <a:lnSpc>
           <a:spcPct val="90000"/>
         </a:lnSpc>
         <a:spcBef>
-          <a:spcPts val="420"/>
+          <a:spcPts val="344"/>
         </a:spcBef>
         <a:buFont typeface="Arial" panose="020B0604020202020204" pitchFamily="34" charset="0"/>
         <a:buChar char="•"/>
-        <a:defRPr sz="1512" kern="1200">
+        <a:defRPr sz="1238" kern="1200">
           <a:solidFill>
             <a:schemeClr val="tx1"/>
           </a:solidFill>
@@ -2861,8 +2861,8 @@
       <a:defPPr>
         <a:defRPr lang="en-US"/>
       </a:defPPr>
-      <a:lvl1pPr marL="0" algn="l" defTabSz="767913" rtl="0" eaLnBrk="1" latinLnBrk="0" hangingPunct="1">
-        <a:defRPr sz="1512" kern="1200">
+      <a:lvl1pPr marL="0" algn="l" defTabSz="628833" rtl="0" eaLnBrk="1" latinLnBrk="0" hangingPunct="1">
+        <a:defRPr sz="1238" kern="1200">
           <a:solidFill>
             <a:schemeClr val="tx1"/>
           </a:solidFill>
@@ -2871,8 +2871,8 @@
           <a:cs typeface="+mn-cs"/>
         </a:defRPr>
       </a:lvl1pPr>
-      <a:lvl2pPr marL="383957" algn="l" defTabSz="767913" rtl="0" eaLnBrk="1" latinLnBrk="0" hangingPunct="1">
-        <a:defRPr sz="1512" kern="1200">
+      <a:lvl2pPr marL="314416" algn="l" defTabSz="628833" rtl="0" eaLnBrk="1" latinLnBrk="0" hangingPunct="1">
+        <a:defRPr sz="1238" kern="1200">
           <a:solidFill>
             <a:schemeClr val="tx1"/>
           </a:solidFill>
@@ -2881,8 +2881,8 @@
           <a:cs typeface="+mn-cs"/>
         </a:defRPr>
       </a:lvl2pPr>
-      <a:lvl3pPr marL="767913" algn="l" defTabSz="767913" rtl="0" eaLnBrk="1" latinLnBrk="0" hangingPunct="1">
-        <a:defRPr sz="1512" kern="1200">
+      <a:lvl3pPr marL="628833" algn="l" defTabSz="628833" rtl="0" eaLnBrk="1" latinLnBrk="0" hangingPunct="1">
+        <a:defRPr sz="1238" kern="1200">
           <a:solidFill>
             <a:schemeClr val="tx1"/>
           </a:solidFill>
@@ -2891,8 +2891,8 @@
           <a:cs typeface="+mn-cs"/>
         </a:defRPr>
       </a:lvl3pPr>
-      <a:lvl4pPr marL="1151870" algn="l" defTabSz="767913" rtl="0" eaLnBrk="1" latinLnBrk="0" hangingPunct="1">
-        <a:defRPr sz="1512" kern="1200">
+      <a:lvl4pPr marL="943249" algn="l" defTabSz="628833" rtl="0" eaLnBrk="1" latinLnBrk="0" hangingPunct="1">
+        <a:defRPr sz="1238" kern="1200">
           <a:solidFill>
             <a:schemeClr val="tx1"/>
           </a:solidFill>
@@ -2901,8 +2901,8 @@
           <a:cs typeface="+mn-cs"/>
         </a:defRPr>
       </a:lvl4pPr>
-      <a:lvl5pPr marL="1535826" algn="l" defTabSz="767913" rtl="0" eaLnBrk="1" latinLnBrk="0" hangingPunct="1">
-        <a:defRPr sz="1512" kern="1200">
+      <a:lvl5pPr marL="1257666" algn="l" defTabSz="628833" rtl="0" eaLnBrk="1" latinLnBrk="0" hangingPunct="1">
+        <a:defRPr sz="1238" kern="1200">
           <a:solidFill>
             <a:schemeClr val="tx1"/>
           </a:solidFill>
@@ -2911,8 +2911,8 @@
           <a:cs typeface="+mn-cs"/>
         </a:defRPr>
       </a:lvl5pPr>
-      <a:lvl6pPr marL="1919783" algn="l" defTabSz="767913" rtl="0" eaLnBrk="1" latinLnBrk="0" hangingPunct="1">
-        <a:defRPr sz="1512" kern="1200">
+      <a:lvl6pPr marL="1572082" algn="l" defTabSz="628833" rtl="0" eaLnBrk="1" latinLnBrk="0" hangingPunct="1">
+        <a:defRPr sz="1238" kern="1200">
           <a:solidFill>
             <a:schemeClr val="tx1"/>
           </a:solidFill>
@@ -2921,8 +2921,8 @@
           <a:cs typeface="+mn-cs"/>
         </a:defRPr>
       </a:lvl6pPr>
-      <a:lvl7pPr marL="2303739" algn="l" defTabSz="767913" rtl="0" eaLnBrk="1" latinLnBrk="0" hangingPunct="1">
-        <a:defRPr sz="1512" kern="1200">
+      <a:lvl7pPr marL="1886499" algn="l" defTabSz="628833" rtl="0" eaLnBrk="1" latinLnBrk="0" hangingPunct="1">
+        <a:defRPr sz="1238" kern="1200">
           <a:solidFill>
             <a:schemeClr val="tx1"/>
           </a:solidFill>
@@ -2931,8 +2931,8 @@
           <a:cs typeface="+mn-cs"/>
         </a:defRPr>
       </a:lvl7pPr>
-      <a:lvl8pPr marL="2687696" algn="l" defTabSz="767913" rtl="0" eaLnBrk="1" latinLnBrk="0" hangingPunct="1">
-        <a:defRPr sz="1512" kern="1200">
+      <a:lvl8pPr marL="2200915" algn="l" defTabSz="628833" rtl="0" eaLnBrk="1" latinLnBrk="0" hangingPunct="1">
+        <a:defRPr sz="1238" kern="1200">
           <a:solidFill>
             <a:schemeClr val="tx1"/>
           </a:solidFill>
@@ -2941,8 +2941,8 @@
           <a:cs typeface="+mn-cs"/>
         </a:defRPr>
       </a:lvl8pPr>
-      <a:lvl9pPr marL="3071652" algn="l" defTabSz="767913" rtl="0" eaLnBrk="1" latinLnBrk="0" hangingPunct="1">
-        <a:defRPr sz="1512" kern="1200">
+      <a:lvl9pPr marL="2515332" algn="l" defTabSz="628833" rtl="0" eaLnBrk="1" latinLnBrk="0" hangingPunct="1">
+        <a:defRPr sz="1238" kern="1200">
           <a:solidFill>
             <a:schemeClr val="tx1"/>
           </a:solidFill>
@@ -2995,7 +2995,7 @@
         </p:blipFill>
         <p:spPr>
           <a:xfrm>
-            <a:off x="630563" y="4958716"/>
+            <a:off x="630560" y="4085530"/>
             <a:ext cx="5356950" cy="556566"/>
           </a:xfrm>
           <a:prstGeom prst="rect">
@@ -3025,7 +3025,7 @@
         </p:blipFill>
         <p:spPr>
           <a:xfrm>
-            <a:off x="6606000" y="4968876"/>
+            <a:off x="6605997" y="4095690"/>
             <a:ext cx="5356950" cy="556566"/>
           </a:xfrm>
           <a:prstGeom prst="rect">
@@ -3035,10 +3035,10 @@
       </p:pic>
       <p:pic>
         <p:nvPicPr>
-          <p:cNvPr id="4" name="图片 3" descr="图表, 折线图&#10;&#10;描述已自动生成">
+          <p:cNvPr id="3" name="图片 2">
             <a:extLst>
               <a:ext uri="{FF2B5EF4-FFF2-40B4-BE49-F238E27FC236}">
-                <a16:creationId xmlns:a16="http://schemas.microsoft.com/office/drawing/2014/main" id="{3E1458D0-7350-AC2E-491D-EC0B1D60FBCD}"/>
+                <a16:creationId xmlns:a16="http://schemas.microsoft.com/office/drawing/2014/main" id="{AC6DD2A4-7800-1898-90A4-B5962A88A023}"/>
               </a:ext>
             </a:extLst>
           </p:cNvPr>
@@ -3055,8 +3055,8 @@
         </p:blipFill>
         <p:spPr>
           <a:xfrm>
-            <a:off x="263997" y="202128"/>
-            <a:ext cx="11568755" cy="4756588"/>
+            <a:off x="263997" y="100659"/>
+            <a:ext cx="11568755" cy="3984871"/>
           </a:xfrm>
           <a:prstGeom prst="rect">
             <a:avLst/>

--- a/figures/psf_err_cartoon.pptx
+++ b/figures/psf_err_cartoon.pptx
@@ -243,7 +243,7 @@
           <a:p>
             <a:fld id="{57FF0C53-773C-DD4A-B534-9879AE380A4C}" type="datetimeFigureOut">
               <a:rPr kumimoji="1" lang="zh-CN" altLang="en-US" smtClean="0"/>
-              <a:t>2022/11/1</a:t>
+              <a:t>2023/2/4</a:t>
             </a:fld>
             <a:endParaRPr kumimoji="1" lang="zh-CN" altLang="en-US"/>
           </a:p>
@@ -413,7 +413,7 @@
           <a:p>
             <a:fld id="{57FF0C53-773C-DD4A-B534-9879AE380A4C}" type="datetimeFigureOut">
               <a:rPr kumimoji="1" lang="zh-CN" altLang="en-US" smtClean="0"/>
-              <a:t>2022/11/1</a:t>
+              <a:t>2023/2/4</a:t>
             </a:fld>
             <a:endParaRPr kumimoji="1" lang="zh-CN" altLang="en-US"/>
           </a:p>
@@ -593,7 +593,7 @@
           <a:p>
             <a:fld id="{57FF0C53-773C-DD4A-B534-9879AE380A4C}" type="datetimeFigureOut">
               <a:rPr kumimoji="1" lang="zh-CN" altLang="en-US" smtClean="0"/>
-              <a:t>2022/11/1</a:t>
+              <a:t>2023/2/4</a:t>
             </a:fld>
             <a:endParaRPr kumimoji="1" lang="zh-CN" altLang="en-US"/>
           </a:p>
@@ -763,7 +763,7 @@
           <a:p>
             <a:fld id="{57FF0C53-773C-DD4A-B534-9879AE380A4C}" type="datetimeFigureOut">
               <a:rPr kumimoji="1" lang="zh-CN" altLang="en-US" smtClean="0"/>
-              <a:t>2022/11/1</a:t>
+              <a:t>2023/2/4</a:t>
             </a:fld>
             <a:endParaRPr kumimoji="1" lang="zh-CN" altLang="en-US"/>
           </a:p>
@@ -1009,7 +1009,7 @@
           <a:p>
             <a:fld id="{57FF0C53-773C-DD4A-B534-9879AE380A4C}" type="datetimeFigureOut">
               <a:rPr kumimoji="1" lang="zh-CN" altLang="en-US" smtClean="0"/>
-              <a:t>2022/11/1</a:t>
+              <a:t>2023/2/4</a:t>
             </a:fld>
             <a:endParaRPr kumimoji="1" lang="zh-CN" altLang="en-US"/>
           </a:p>
@@ -1241,7 +1241,7 @@
           <a:p>
             <a:fld id="{57FF0C53-773C-DD4A-B534-9879AE380A4C}" type="datetimeFigureOut">
               <a:rPr kumimoji="1" lang="zh-CN" altLang="en-US" smtClean="0"/>
-              <a:t>2022/11/1</a:t>
+              <a:t>2023/2/4</a:t>
             </a:fld>
             <a:endParaRPr kumimoji="1" lang="zh-CN" altLang="en-US"/>
           </a:p>
@@ -1608,7 +1608,7 @@
           <a:p>
             <a:fld id="{57FF0C53-773C-DD4A-B534-9879AE380A4C}" type="datetimeFigureOut">
               <a:rPr kumimoji="1" lang="zh-CN" altLang="en-US" smtClean="0"/>
-              <a:t>2022/11/1</a:t>
+              <a:t>2023/2/4</a:t>
             </a:fld>
             <a:endParaRPr kumimoji="1" lang="zh-CN" altLang="en-US"/>
           </a:p>
@@ -1726,7 +1726,7 @@
           <a:p>
             <a:fld id="{57FF0C53-773C-DD4A-B534-9879AE380A4C}" type="datetimeFigureOut">
               <a:rPr kumimoji="1" lang="zh-CN" altLang="en-US" smtClean="0"/>
-              <a:t>2022/11/1</a:t>
+              <a:t>2023/2/4</a:t>
             </a:fld>
             <a:endParaRPr kumimoji="1" lang="zh-CN" altLang="en-US"/>
           </a:p>
@@ -1821,7 +1821,7 @@
           <a:p>
             <a:fld id="{57FF0C53-773C-DD4A-B534-9879AE380A4C}" type="datetimeFigureOut">
               <a:rPr kumimoji="1" lang="zh-CN" altLang="en-US" smtClean="0"/>
-              <a:t>2022/11/1</a:t>
+              <a:t>2023/2/4</a:t>
             </a:fld>
             <a:endParaRPr kumimoji="1" lang="zh-CN" altLang="en-US"/>
           </a:p>
@@ -2098,7 +2098,7 @@
           <a:p>
             <a:fld id="{57FF0C53-773C-DD4A-B534-9879AE380A4C}" type="datetimeFigureOut">
               <a:rPr kumimoji="1" lang="zh-CN" altLang="en-US" smtClean="0"/>
-              <a:t>2022/11/1</a:t>
+              <a:t>2023/2/4</a:t>
             </a:fld>
             <a:endParaRPr kumimoji="1" lang="zh-CN" altLang="en-US"/>
           </a:p>
@@ -2355,7 +2355,7 @@
           <a:p>
             <a:fld id="{57FF0C53-773C-DD4A-B534-9879AE380A4C}" type="datetimeFigureOut">
               <a:rPr kumimoji="1" lang="zh-CN" altLang="en-US" smtClean="0"/>
-              <a:t>2022/11/1</a:t>
+              <a:t>2023/2/4</a:t>
             </a:fld>
             <a:endParaRPr kumimoji="1" lang="zh-CN" altLang="en-US"/>
           </a:p>
@@ -2568,7 +2568,7 @@
           <a:p>
             <a:fld id="{57FF0C53-773C-DD4A-B534-9879AE380A4C}" type="datetimeFigureOut">
               <a:rPr kumimoji="1" lang="zh-CN" altLang="en-US" smtClean="0"/>
-              <a:t>2022/11/1</a:t>
+              <a:t>2023/2/4</a:t>
             </a:fld>
             <a:endParaRPr kumimoji="1" lang="zh-CN" altLang="en-US"/>
           </a:p>
@@ -2975,10 +2975,10 @@
       </p:grpSpPr>
       <p:pic>
         <p:nvPicPr>
-          <p:cNvPr id="15" name="图片 14">
+          <p:cNvPr id="4" name="图片 3" descr="图表, 折线图&#10;&#10;描述已自动生成">
             <a:extLst>
               <a:ext uri="{FF2B5EF4-FFF2-40B4-BE49-F238E27FC236}">
-                <a16:creationId xmlns:a16="http://schemas.microsoft.com/office/drawing/2014/main" id="{73A2B07F-D204-2EA5-BE70-4046BACE8CC9}"/>
+                <a16:creationId xmlns:a16="http://schemas.microsoft.com/office/drawing/2014/main" id="{71EF5122-E485-652D-37DF-1E67C12ABB58}"/>
               </a:ext>
             </a:extLst>
           </p:cNvPr>
@@ -2995,8 +2995,8 @@
         </p:blipFill>
         <p:spPr>
           <a:xfrm>
-            <a:off x="630560" y="4085530"/>
-            <a:ext cx="5356950" cy="556566"/>
+            <a:off x="263997" y="90585"/>
+            <a:ext cx="11568755" cy="4005105"/>
           </a:xfrm>
           <a:prstGeom prst="rect">
             <a:avLst/>
@@ -3005,10 +3005,10 @@
       </p:pic>
       <p:pic>
         <p:nvPicPr>
-          <p:cNvPr id="17" name="图片 16">
+          <p:cNvPr id="6" name="图片 5">
             <a:extLst>
               <a:ext uri="{FF2B5EF4-FFF2-40B4-BE49-F238E27FC236}">
-                <a16:creationId xmlns:a16="http://schemas.microsoft.com/office/drawing/2014/main" id="{D536953D-E4FF-C4EB-FC5C-3C0DC6B9DB69}"/>
+                <a16:creationId xmlns:a16="http://schemas.microsoft.com/office/drawing/2014/main" id="{89501D39-9AE9-17A6-F2E7-F03EA1EBCA0D}"/>
               </a:ext>
             </a:extLst>
           </p:cNvPr>
@@ -3025,8 +3025,8 @@
         </p:blipFill>
         <p:spPr>
           <a:xfrm>
-            <a:off x="6605997" y="4095690"/>
-            <a:ext cx="5356950" cy="556566"/>
+            <a:off x="620510" y="4095690"/>
+            <a:ext cx="5356950" cy="585647"/>
           </a:xfrm>
           <a:prstGeom prst="rect">
             <a:avLst/>
@@ -3035,10 +3035,10 @@
       </p:pic>
       <p:pic>
         <p:nvPicPr>
-          <p:cNvPr id="3" name="图片 2">
+          <p:cNvPr id="8" name="图片 7">
             <a:extLst>
               <a:ext uri="{FF2B5EF4-FFF2-40B4-BE49-F238E27FC236}">
-                <a16:creationId xmlns:a16="http://schemas.microsoft.com/office/drawing/2014/main" id="{AC6DD2A4-7800-1898-90A4-B5962A88A023}"/>
+                <a16:creationId xmlns:a16="http://schemas.microsoft.com/office/drawing/2014/main" id="{42B421DF-57F3-8256-7FA3-6B2C077A4F69}"/>
               </a:ext>
             </a:extLst>
           </p:cNvPr>
@@ -3055,8 +3055,8 @@
         </p:blipFill>
         <p:spPr>
           <a:xfrm>
-            <a:off x="263997" y="100659"/>
-            <a:ext cx="11568755" cy="3984871"/>
+            <a:off x="6561516" y="4095690"/>
+            <a:ext cx="5356938" cy="585646"/>
           </a:xfrm>
           <a:prstGeom prst="rect">
             <a:avLst/>

--- a/figures/psf_err_cartoon.pptx
+++ b/figures/psf_err_cartoon.pptx
@@ -243,7 +243,7 @@
           <a:p>
             <a:fld id="{57FF0C53-773C-DD4A-B534-9879AE380A4C}" type="datetimeFigureOut">
               <a:rPr kumimoji="1" lang="zh-CN" altLang="en-US" smtClean="0"/>
-              <a:t>2023/2/4</a:t>
+              <a:t>2023/2/5</a:t>
             </a:fld>
             <a:endParaRPr kumimoji="1" lang="zh-CN" altLang="en-US"/>
           </a:p>
@@ -413,7 +413,7 @@
           <a:p>
             <a:fld id="{57FF0C53-773C-DD4A-B534-9879AE380A4C}" type="datetimeFigureOut">
               <a:rPr kumimoji="1" lang="zh-CN" altLang="en-US" smtClean="0"/>
-              <a:t>2023/2/4</a:t>
+              <a:t>2023/2/5</a:t>
             </a:fld>
             <a:endParaRPr kumimoji="1" lang="zh-CN" altLang="en-US"/>
           </a:p>
@@ -593,7 +593,7 @@
           <a:p>
             <a:fld id="{57FF0C53-773C-DD4A-B534-9879AE380A4C}" type="datetimeFigureOut">
               <a:rPr kumimoji="1" lang="zh-CN" altLang="en-US" smtClean="0"/>
-              <a:t>2023/2/4</a:t>
+              <a:t>2023/2/5</a:t>
             </a:fld>
             <a:endParaRPr kumimoji="1" lang="zh-CN" altLang="en-US"/>
           </a:p>
@@ -763,7 +763,7 @@
           <a:p>
             <a:fld id="{57FF0C53-773C-DD4A-B534-9879AE380A4C}" type="datetimeFigureOut">
               <a:rPr kumimoji="1" lang="zh-CN" altLang="en-US" smtClean="0"/>
-              <a:t>2023/2/4</a:t>
+              <a:t>2023/2/5</a:t>
             </a:fld>
             <a:endParaRPr kumimoji="1" lang="zh-CN" altLang="en-US"/>
           </a:p>
@@ -1009,7 +1009,7 @@
           <a:p>
             <a:fld id="{57FF0C53-773C-DD4A-B534-9879AE380A4C}" type="datetimeFigureOut">
               <a:rPr kumimoji="1" lang="zh-CN" altLang="en-US" smtClean="0"/>
-              <a:t>2023/2/4</a:t>
+              <a:t>2023/2/5</a:t>
             </a:fld>
             <a:endParaRPr kumimoji="1" lang="zh-CN" altLang="en-US"/>
           </a:p>
@@ -1241,7 +1241,7 @@
           <a:p>
             <a:fld id="{57FF0C53-773C-DD4A-B534-9879AE380A4C}" type="datetimeFigureOut">
               <a:rPr kumimoji="1" lang="zh-CN" altLang="en-US" smtClean="0"/>
-              <a:t>2023/2/4</a:t>
+              <a:t>2023/2/5</a:t>
             </a:fld>
             <a:endParaRPr kumimoji="1" lang="zh-CN" altLang="en-US"/>
           </a:p>
@@ -1608,7 +1608,7 @@
           <a:p>
             <a:fld id="{57FF0C53-773C-DD4A-B534-9879AE380A4C}" type="datetimeFigureOut">
               <a:rPr kumimoji="1" lang="zh-CN" altLang="en-US" smtClean="0"/>
-              <a:t>2023/2/4</a:t>
+              <a:t>2023/2/5</a:t>
             </a:fld>
             <a:endParaRPr kumimoji="1" lang="zh-CN" altLang="en-US"/>
           </a:p>
@@ -1726,7 +1726,7 @@
           <a:p>
             <a:fld id="{57FF0C53-773C-DD4A-B534-9879AE380A4C}" type="datetimeFigureOut">
               <a:rPr kumimoji="1" lang="zh-CN" altLang="en-US" smtClean="0"/>
-              <a:t>2023/2/4</a:t>
+              <a:t>2023/2/5</a:t>
             </a:fld>
             <a:endParaRPr kumimoji="1" lang="zh-CN" altLang="en-US"/>
           </a:p>
@@ -1821,7 +1821,7 @@
           <a:p>
             <a:fld id="{57FF0C53-773C-DD4A-B534-9879AE380A4C}" type="datetimeFigureOut">
               <a:rPr kumimoji="1" lang="zh-CN" altLang="en-US" smtClean="0"/>
-              <a:t>2023/2/4</a:t>
+              <a:t>2023/2/5</a:t>
             </a:fld>
             <a:endParaRPr kumimoji="1" lang="zh-CN" altLang="en-US"/>
           </a:p>
@@ -2098,7 +2098,7 @@
           <a:p>
             <a:fld id="{57FF0C53-773C-DD4A-B534-9879AE380A4C}" type="datetimeFigureOut">
               <a:rPr kumimoji="1" lang="zh-CN" altLang="en-US" smtClean="0"/>
-              <a:t>2023/2/4</a:t>
+              <a:t>2023/2/5</a:t>
             </a:fld>
             <a:endParaRPr kumimoji="1" lang="zh-CN" altLang="en-US"/>
           </a:p>
@@ -2355,7 +2355,7 @@
           <a:p>
             <a:fld id="{57FF0C53-773C-DD4A-B534-9879AE380A4C}" type="datetimeFigureOut">
               <a:rPr kumimoji="1" lang="zh-CN" altLang="en-US" smtClean="0"/>
-              <a:t>2023/2/4</a:t>
+              <a:t>2023/2/5</a:t>
             </a:fld>
             <a:endParaRPr kumimoji="1" lang="zh-CN" altLang="en-US"/>
           </a:p>
@@ -2568,7 +2568,7 @@
           <a:p>
             <a:fld id="{57FF0C53-773C-DD4A-B534-9879AE380A4C}" type="datetimeFigureOut">
               <a:rPr kumimoji="1" lang="zh-CN" altLang="en-US" smtClean="0"/>
-              <a:t>2023/2/4</a:t>
+              <a:t>2023/2/5</a:t>
             </a:fld>
             <a:endParaRPr kumimoji="1" lang="zh-CN" altLang="en-US"/>
           </a:p>
@@ -2975,10 +2975,10 @@
       </p:grpSpPr>
       <p:pic>
         <p:nvPicPr>
-          <p:cNvPr id="4" name="图片 3" descr="图表, 折线图&#10;&#10;描述已自动生成">
+          <p:cNvPr id="6" name="图片 5">
             <a:extLst>
               <a:ext uri="{FF2B5EF4-FFF2-40B4-BE49-F238E27FC236}">
-                <a16:creationId xmlns:a16="http://schemas.microsoft.com/office/drawing/2014/main" id="{71EF5122-E485-652D-37DF-1E67C12ABB58}"/>
+                <a16:creationId xmlns:a16="http://schemas.microsoft.com/office/drawing/2014/main" id="{89501D39-9AE9-17A6-F2E7-F03EA1EBCA0D}"/>
               </a:ext>
             </a:extLst>
           </p:cNvPr>
@@ -2995,38 +2995,8 @@
         </p:blipFill>
         <p:spPr>
           <a:xfrm>
-            <a:off x="263997" y="90585"/>
-            <a:ext cx="11568755" cy="4005105"/>
-          </a:xfrm>
-          <a:prstGeom prst="rect">
-            <a:avLst/>
-          </a:prstGeom>
-        </p:spPr>
-      </p:pic>
-      <p:pic>
-        <p:nvPicPr>
-          <p:cNvPr id="6" name="图片 5">
-            <a:extLst>
-              <a:ext uri="{FF2B5EF4-FFF2-40B4-BE49-F238E27FC236}">
-                <a16:creationId xmlns:a16="http://schemas.microsoft.com/office/drawing/2014/main" id="{89501D39-9AE9-17A6-F2E7-F03EA1EBCA0D}"/>
-              </a:ext>
-            </a:extLst>
-          </p:cNvPr>
-          <p:cNvPicPr>
-            <a:picLocks noChangeAspect="1"/>
-          </p:cNvPicPr>
-          <p:nvPr/>
-        </p:nvPicPr>
-        <p:blipFill>
-          <a:blip r:embed="rId3"/>
-          <a:stretch>
-            <a:fillRect/>
-          </a:stretch>
-        </p:blipFill>
-        <p:spPr>
-          <a:xfrm>
-            <a:off x="620510" y="4095690"/>
-            <a:ext cx="5356950" cy="585647"/>
+            <a:off x="784800" y="4091372"/>
+            <a:ext cx="5292598" cy="578612"/>
           </a:xfrm>
           <a:prstGeom prst="rect">
             <a:avLst/>
@@ -3048,6 +3018,36 @@
           <p:nvPr/>
         </p:nvPicPr>
         <p:blipFill>
+          <a:blip r:embed="rId3"/>
+          <a:stretch>
+            <a:fillRect/>
+          </a:stretch>
+        </p:blipFill>
+        <p:spPr>
+          <a:xfrm>
+            <a:off x="6674400" y="4091372"/>
+            <a:ext cx="5292598" cy="578612"/>
+          </a:xfrm>
+          <a:prstGeom prst="rect">
+            <a:avLst/>
+          </a:prstGeom>
+        </p:spPr>
+      </p:pic>
+      <p:pic>
+        <p:nvPicPr>
+          <p:cNvPr id="4" name="图片 3">
+            <a:extLst>
+              <a:ext uri="{FF2B5EF4-FFF2-40B4-BE49-F238E27FC236}">
+                <a16:creationId xmlns:a16="http://schemas.microsoft.com/office/drawing/2014/main" id="{61E7AF82-FBAD-E222-F9A1-888AA95C1B89}"/>
+              </a:ext>
+            </a:extLst>
+          </p:cNvPr>
+          <p:cNvPicPr>
+            <a:picLocks noChangeAspect="1"/>
+          </p:cNvPicPr>
+          <p:nvPr/>
+        </p:nvPicPr>
+        <p:blipFill>
           <a:blip r:embed="rId4"/>
           <a:stretch>
             <a:fillRect/>
@@ -3055,8 +3055,8 @@
         </p:blipFill>
         <p:spPr>
           <a:xfrm>
-            <a:off x="6561516" y="4095690"/>
-            <a:ext cx="5356938" cy="585646"/>
+            <a:off x="211757" y="128588"/>
+            <a:ext cx="11673235" cy="3967102"/>
           </a:xfrm>
           <a:prstGeom prst="rect">
             <a:avLst/>

--- a/figures/psf_err_cartoon.pptx
+++ b/figures/psf_err_cartoon.pptx
@@ -243,7 +243,7 @@
           <a:p>
             <a:fld id="{57FF0C53-773C-DD4A-B534-9879AE380A4C}" type="datetimeFigureOut">
               <a:rPr kumimoji="1" lang="zh-CN" altLang="en-US" smtClean="0"/>
-              <a:t>2023/2/5</a:t>
+              <a:t>2023/3/7</a:t>
             </a:fld>
             <a:endParaRPr kumimoji="1" lang="zh-CN" altLang="en-US"/>
           </a:p>
@@ -413,7 +413,7 @@
           <a:p>
             <a:fld id="{57FF0C53-773C-DD4A-B534-9879AE380A4C}" type="datetimeFigureOut">
               <a:rPr kumimoji="1" lang="zh-CN" altLang="en-US" smtClean="0"/>
-              <a:t>2023/2/5</a:t>
+              <a:t>2023/3/7</a:t>
             </a:fld>
             <a:endParaRPr kumimoji="1" lang="zh-CN" altLang="en-US"/>
           </a:p>
@@ -593,7 +593,7 @@
           <a:p>
             <a:fld id="{57FF0C53-773C-DD4A-B534-9879AE380A4C}" type="datetimeFigureOut">
               <a:rPr kumimoji="1" lang="zh-CN" altLang="en-US" smtClean="0"/>
-              <a:t>2023/2/5</a:t>
+              <a:t>2023/3/7</a:t>
             </a:fld>
             <a:endParaRPr kumimoji="1" lang="zh-CN" altLang="en-US"/>
           </a:p>
@@ -763,7 +763,7 @@
           <a:p>
             <a:fld id="{57FF0C53-773C-DD4A-B534-9879AE380A4C}" type="datetimeFigureOut">
               <a:rPr kumimoji="1" lang="zh-CN" altLang="en-US" smtClean="0"/>
-              <a:t>2023/2/5</a:t>
+              <a:t>2023/3/7</a:t>
             </a:fld>
             <a:endParaRPr kumimoji="1" lang="zh-CN" altLang="en-US"/>
           </a:p>
@@ -1009,7 +1009,7 @@
           <a:p>
             <a:fld id="{57FF0C53-773C-DD4A-B534-9879AE380A4C}" type="datetimeFigureOut">
               <a:rPr kumimoji="1" lang="zh-CN" altLang="en-US" smtClean="0"/>
-              <a:t>2023/2/5</a:t>
+              <a:t>2023/3/7</a:t>
             </a:fld>
             <a:endParaRPr kumimoji="1" lang="zh-CN" altLang="en-US"/>
           </a:p>
@@ -1241,7 +1241,7 @@
           <a:p>
             <a:fld id="{57FF0C53-773C-DD4A-B534-9879AE380A4C}" type="datetimeFigureOut">
               <a:rPr kumimoji="1" lang="zh-CN" altLang="en-US" smtClean="0"/>
-              <a:t>2023/2/5</a:t>
+              <a:t>2023/3/7</a:t>
             </a:fld>
             <a:endParaRPr kumimoji="1" lang="zh-CN" altLang="en-US"/>
           </a:p>
@@ -1608,7 +1608,7 @@
           <a:p>
             <a:fld id="{57FF0C53-773C-DD4A-B534-9879AE380A4C}" type="datetimeFigureOut">
               <a:rPr kumimoji="1" lang="zh-CN" altLang="en-US" smtClean="0"/>
-              <a:t>2023/2/5</a:t>
+              <a:t>2023/3/7</a:t>
             </a:fld>
             <a:endParaRPr kumimoji="1" lang="zh-CN" altLang="en-US"/>
           </a:p>
@@ -1726,7 +1726,7 @@
           <a:p>
             <a:fld id="{57FF0C53-773C-DD4A-B534-9879AE380A4C}" type="datetimeFigureOut">
               <a:rPr kumimoji="1" lang="zh-CN" altLang="en-US" smtClean="0"/>
-              <a:t>2023/2/5</a:t>
+              <a:t>2023/3/7</a:t>
             </a:fld>
             <a:endParaRPr kumimoji="1" lang="zh-CN" altLang="en-US"/>
           </a:p>
@@ -1821,7 +1821,7 @@
           <a:p>
             <a:fld id="{57FF0C53-773C-DD4A-B534-9879AE380A4C}" type="datetimeFigureOut">
               <a:rPr kumimoji="1" lang="zh-CN" altLang="en-US" smtClean="0"/>
-              <a:t>2023/2/5</a:t>
+              <a:t>2023/3/7</a:t>
             </a:fld>
             <a:endParaRPr kumimoji="1" lang="zh-CN" altLang="en-US"/>
           </a:p>
@@ -2098,7 +2098,7 @@
           <a:p>
             <a:fld id="{57FF0C53-773C-DD4A-B534-9879AE380A4C}" type="datetimeFigureOut">
               <a:rPr kumimoji="1" lang="zh-CN" altLang="en-US" smtClean="0"/>
-              <a:t>2023/2/5</a:t>
+              <a:t>2023/3/7</a:t>
             </a:fld>
             <a:endParaRPr kumimoji="1" lang="zh-CN" altLang="en-US"/>
           </a:p>
@@ -2355,7 +2355,7 @@
           <a:p>
             <a:fld id="{57FF0C53-773C-DD4A-B534-9879AE380A4C}" type="datetimeFigureOut">
               <a:rPr kumimoji="1" lang="zh-CN" altLang="en-US" smtClean="0"/>
-              <a:t>2023/2/5</a:t>
+              <a:t>2023/3/7</a:t>
             </a:fld>
             <a:endParaRPr kumimoji="1" lang="zh-CN" altLang="en-US"/>
           </a:p>
@@ -2568,7 +2568,7 @@
           <a:p>
             <a:fld id="{57FF0C53-773C-DD4A-B534-9879AE380A4C}" type="datetimeFigureOut">
               <a:rPr kumimoji="1" lang="zh-CN" altLang="en-US" smtClean="0"/>
-              <a:t>2023/2/5</a:t>
+              <a:t>2023/3/7</a:t>
             </a:fld>
             <a:endParaRPr kumimoji="1" lang="zh-CN" altLang="en-US"/>
           </a:p>
@@ -3035,10 +3035,10 @@
       </p:pic>
       <p:pic>
         <p:nvPicPr>
-          <p:cNvPr id="4" name="图片 3">
+          <p:cNvPr id="7" name="图片 6" descr="图表, 折线图&#10;&#10;描述已自动生成">
             <a:extLst>
               <a:ext uri="{FF2B5EF4-FFF2-40B4-BE49-F238E27FC236}">
-                <a16:creationId xmlns:a16="http://schemas.microsoft.com/office/drawing/2014/main" id="{61E7AF82-FBAD-E222-F9A1-888AA95C1B89}"/>
+                <a16:creationId xmlns:a16="http://schemas.microsoft.com/office/drawing/2014/main" id="{A623FDC3-0EA4-E337-115A-CF8E1AA13175}"/>
               </a:ext>
             </a:extLst>
           </p:cNvPr>
@@ -3055,8 +3055,8 @@
         </p:blipFill>
         <p:spPr>
           <a:xfrm>
-            <a:off x="211757" y="128588"/>
-            <a:ext cx="11673235" cy="3967102"/>
+            <a:off x="215856" y="9646"/>
+            <a:ext cx="11665037" cy="4081726"/>
           </a:xfrm>
           <a:prstGeom prst="rect">
             <a:avLst/>
